--- a/Slides/DartProgramlamaDili_03.pptx
+++ b/Slides/DartProgramlamaDili_03.pptx
@@ -4,23 +4,29 @@
   <p:sldMasterIdLst>
     <p:sldMasterId id="2147483648" r:id="rId1"/>
   </p:sldMasterIdLst>
+  <p:notesMasterIdLst>
+    <p:notesMasterId r:id="rId21"/>
+  </p:notesMasterIdLst>
   <p:sldIdLst>
     <p:sldId id="354" r:id="rId2"/>
     <p:sldId id="427" r:id="rId3"/>
     <p:sldId id="327" r:id="rId4"/>
     <p:sldId id="328" r:id="rId5"/>
     <p:sldId id="329" r:id="rId6"/>
-    <p:sldId id="321" r:id="rId7"/>
-    <p:sldId id="322" r:id="rId8"/>
-    <p:sldId id="323" r:id="rId9"/>
-    <p:sldId id="324" r:id="rId10"/>
-    <p:sldId id="308" r:id="rId11"/>
-    <p:sldId id="309" r:id="rId12"/>
-    <p:sldId id="326" r:id="rId13"/>
-    <p:sldId id="331" r:id="rId14"/>
-    <p:sldId id="332" r:id="rId15"/>
-    <p:sldId id="333" r:id="rId16"/>
-    <p:sldId id="346" r:id="rId17"/>
+    <p:sldId id="431" r:id="rId7"/>
+    <p:sldId id="430" r:id="rId8"/>
+    <p:sldId id="321" r:id="rId9"/>
+    <p:sldId id="322" r:id="rId10"/>
+    <p:sldId id="323" r:id="rId11"/>
+    <p:sldId id="324" r:id="rId12"/>
+    <p:sldId id="308" r:id="rId13"/>
+    <p:sldId id="309" r:id="rId14"/>
+    <p:sldId id="326" r:id="rId15"/>
+    <p:sldId id="331" r:id="rId16"/>
+    <p:sldId id="332" r:id="rId17"/>
+    <p:sldId id="333" r:id="rId18"/>
+    <p:sldId id="429" r:id="rId19"/>
+    <p:sldId id="428" r:id="rId20"/>
   </p:sldIdLst>
   <p:sldSz cx="12192000" cy="6858000"/>
   <p:notesSz cx="6858000" cy="9144000"/>
@@ -127,6 +133,355 @@
 </p:presentation>
 </file>
 
+<file path=ppt/notesMasters/notesMaster1.xml><?xml version="1.0" encoding="utf-8"?>
+<p:notesMaster xmlns:a="http://schemas.openxmlformats.org/drawingml/2006/main" xmlns:r="http://schemas.openxmlformats.org/officeDocument/2006/relationships" xmlns:p="http://schemas.openxmlformats.org/presentationml/2006/main">
+  <p:cSld>
+    <p:bg>
+      <p:bgRef idx="1001">
+        <a:schemeClr val="bg1"/>
+      </p:bgRef>
+    </p:bg>
+    <p:spTree>
+      <p:nvGrpSpPr>
+        <p:cNvPr id="1" name=""/>
+        <p:cNvGrpSpPr/>
+        <p:nvPr/>
+      </p:nvGrpSpPr>
+      <p:grpSpPr>
+        <a:xfrm>
+          <a:off x="0" y="0"/>
+          <a:ext cx="0" cy="0"/>
+          <a:chOff x="0" y="0"/>
+          <a:chExt cx="0" cy="0"/>
+        </a:xfrm>
+      </p:grpSpPr>
+      <p:sp>
+        <p:nvSpPr>
+          <p:cNvPr id="2" name="Üst Bilgi Yer Tutucusu 1"/>
+          <p:cNvSpPr>
+            <a:spLocks noGrp="1"/>
+          </p:cNvSpPr>
+          <p:nvPr>
+            <p:ph type="hdr" sz="quarter"/>
+          </p:nvPr>
+        </p:nvSpPr>
+        <p:spPr>
+          <a:xfrm>
+            <a:off x="0" y="0"/>
+            <a:ext cx="2971800" cy="458788"/>
+          </a:xfrm>
+          <a:prstGeom prst="rect">
+            <a:avLst/>
+          </a:prstGeom>
+        </p:spPr>
+        <p:txBody>
+          <a:bodyPr vert="horz" lIns="91440" tIns="45720" rIns="91440" bIns="45720" rtlCol="0"/>
+          <a:lstStyle>
+            <a:lvl1pPr algn="l">
+              <a:defRPr sz="1200"/>
+            </a:lvl1pPr>
+          </a:lstStyle>
+          <a:p>
+            <a:endParaRPr lang="tr-TR"/>
+          </a:p>
+        </p:txBody>
+      </p:sp>
+      <p:sp>
+        <p:nvSpPr>
+          <p:cNvPr id="3" name="Veri Yer Tutucusu 2"/>
+          <p:cNvSpPr>
+            <a:spLocks noGrp="1"/>
+          </p:cNvSpPr>
+          <p:nvPr>
+            <p:ph type="dt" idx="1"/>
+          </p:nvPr>
+        </p:nvSpPr>
+        <p:spPr>
+          <a:xfrm>
+            <a:off x="3884613" y="0"/>
+            <a:ext cx="2971800" cy="458788"/>
+          </a:xfrm>
+          <a:prstGeom prst="rect">
+            <a:avLst/>
+          </a:prstGeom>
+        </p:spPr>
+        <p:txBody>
+          <a:bodyPr vert="horz" lIns="91440" tIns="45720" rIns="91440" bIns="45720" rtlCol="0"/>
+          <a:lstStyle>
+            <a:lvl1pPr algn="r">
+              <a:defRPr sz="1200"/>
+            </a:lvl1pPr>
+          </a:lstStyle>
+          <a:p>
+            <a:fld id="{76FDBA1E-B934-4553-B99D-FED623890777}" type="datetimeFigureOut">
+              <a:rPr lang="tr-TR" smtClean="0"/>
+              <a:t>5.04.2022</a:t>
+            </a:fld>
+            <a:endParaRPr lang="tr-TR"/>
+          </a:p>
+        </p:txBody>
+      </p:sp>
+      <p:sp>
+        <p:nvSpPr>
+          <p:cNvPr id="4" name="Slayt Resmi Yer Tutucusu 3"/>
+          <p:cNvSpPr>
+            <a:spLocks noGrp="1" noRot="1" noChangeAspect="1"/>
+          </p:cNvSpPr>
+          <p:nvPr>
+            <p:ph type="sldImg" idx="2"/>
+          </p:nvPr>
+        </p:nvSpPr>
+        <p:spPr>
+          <a:xfrm>
+            <a:off x="685800" y="1143000"/>
+            <a:ext cx="5486400" cy="3086100"/>
+          </a:xfrm>
+          <a:prstGeom prst="rect">
+            <a:avLst/>
+          </a:prstGeom>
+          <a:noFill/>
+          <a:ln w="12700">
+            <a:solidFill>
+              <a:prstClr val="black"/>
+            </a:solidFill>
+          </a:ln>
+        </p:spPr>
+        <p:txBody>
+          <a:bodyPr vert="horz" lIns="91440" tIns="45720" rIns="91440" bIns="45720" rtlCol="0" anchor="ctr"/>
+          <a:lstStyle/>
+          <a:p>
+            <a:endParaRPr lang="tr-TR"/>
+          </a:p>
+        </p:txBody>
+      </p:sp>
+      <p:sp>
+        <p:nvSpPr>
+          <p:cNvPr id="5" name="Not Yer Tutucusu 4"/>
+          <p:cNvSpPr>
+            <a:spLocks noGrp="1"/>
+          </p:cNvSpPr>
+          <p:nvPr>
+            <p:ph type="body" sz="quarter" idx="3"/>
+          </p:nvPr>
+        </p:nvSpPr>
+        <p:spPr>
+          <a:xfrm>
+            <a:off x="685800" y="4400550"/>
+            <a:ext cx="5486400" cy="3600450"/>
+          </a:xfrm>
+          <a:prstGeom prst="rect">
+            <a:avLst/>
+          </a:prstGeom>
+        </p:spPr>
+        <p:txBody>
+          <a:bodyPr vert="horz" lIns="91440" tIns="45720" rIns="91440" bIns="45720" rtlCol="0"/>
+          <a:lstStyle/>
+          <a:p>
+            <a:pPr lvl="0"/>
+            <a:r>
+              <a:rPr lang="tr-TR"/>
+              <a:t>Asıl metin stillerini düzenlemek için tıklayın</a:t>
+            </a:r>
+          </a:p>
+          <a:p>
+            <a:pPr lvl="1"/>
+            <a:r>
+              <a:rPr lang="tr-TR"/>
+              <a:t>İkinci düzey</a:t>
+            </a:r>
+          </a:p>
+          <a:p>
+            <a:pPr lvl="2"/>
+            <a:r>
+              <a:rPr lang="tr-TR"/>
+              <a:t>Üçüncü düzey</a:t>
+            </a:r>
+          </a:p>
+          <a:p>
+            <a:pPr lvl="3"/>
+            <a:r>
+              <a:rPr lang="tr-TR"/>
+              <a:t>Dördüncü düzey</a:t>
+            </a:r>
+          </a:p>
+          <a:p>
+            <a:pPr lvl="4"/>
+            <a:r>
+              <a:rPr lang="tr-TR"/>
+              <a:t>Beşinci düzey</a:t>
+            </a:r>
+          </a:p>
+        </p:txBody>
+      </p:sp>
+      <p:sp>
+        <p:nvSpPr>
+          <p:cNvPr id="6" name="Alt Bilgi Yer Tutucusu 5"/>
+          <p:cNvSpPr>
+            <a:spLocks noGrp="1"/>
+          </p:cNvSpPr>
+          <p:nvPr>
+            <p:ph type="ftr" sz="quarter" idx="4"/>
+          </p:nvPr>
+        </p:nvSpPr>
+        <p:spPr>
+          <a:xfrm>
+            <a:off x="0" y="8685213"/>
+            <a:ext cx="2971800" cy="458787"/>
+          </a:xfrm>
+          <a:prstGeom prst="rect">
+            <a:avLst/>
+          </a:prstGeom>
+        </p:spPr>
+        <p:txBody>
+          <a:bodyPr vert="horz" lIns="91440" tIns="45720" rIns="91440" bIns="45720" rtlCol="0" anchor="b"/>
+          <a:lstStyle>
+            <a:lvl1pPr algn="l">
+              <a:defRPr sz="1200"/>
+            </a:lvl1pPr>
+          </a:lstStyle>
+          <a:p>
+            <a:endParaRPr lang="tr-TR"/>
+          </a:p>
+        </p:txBody>
+      </p:sp>
+      <p:sp>
+        <p:nvSpPr>
+          <p:cNvPr id="7" name="Slayt Numarası Yer Tutucusu 6"/>
+          <p:cNvSpPr>
+            <a:spLocks noGrp="1"/>
+          </p:cNvSpPr>
+          <p:nvPr>
+            <p:ph type="sldNum" sz="quarter" idx="5"/>
+          </p:nvPr>
+        </p:nvSpPr>
+        <p:spPr>
+          <a:xfrm>
+            <a:off x="3884613" y="8685213"/>
+            <a:ext cx="2971800" cy="458787"/>
+          </a:xfrm>
+          <a:prstGeom prst="rect">
+            <a:avLst/>
+          </a:prstGeom>
+        </p:spPr>
+        <p:txBody>
+          <a:bodyPr vert="horz" lIns="91440" tIns="45720" rIns="91440" bIns="45720" rtlCol="0" anchor="b"/>
+          <a:lstStyle>
+            <a:lvl1pPr algn="r">
+              <a:defRPr sz="1200"/>
+            </a:lvl1pPr>
+          </a:lstStyle>
+          <a:p>
+            <a:fld id="{88F59545-FB0E-4C98-AF75-3C13774218F4}" type="slidenum">
+              <a:rPr lang="tr-TR" smtClean="0"/>
+              <a:t>‹#›</a:t>
+            </a:fld>
+            <a:endParaRPr lang="tr-TR"/>
+          </a:p>
+        </p:txBody>
+      </p:sp>
+    </p:spTree>
+    <p:extLst>
+      <p:ext uri="{BB962C8B-B14F-4D97-AF65-F5344CB8AC3E}">
+        <p14:creationId xmlns:p14="http://schemas.microsoft.com/office/powerpoint/2010/main" val="3045130670"/>
+      </p:ext>
+    </p:extLst>
+  </p:cSld>
+  <p:clrMap bg1="lt1" tx1="dk1" bg2="lt2" tx2="dk2" accent1="accent1" accent2="accent2" accent3="accent3" accent4="accent4" accent5="accent5" accent6="accent6" hlink="hlink" folHlink="folHlink"/>
+  <p:notesStyle>
+    <a:lvl1pPr marL="0" algn="l" defTabSz="914400" rtl="0" eaLnBrk="1" latinLnBrk="0" hangingPunct="1">
+      <a:defRPr sz="1200" kern="1200">
+        <a:solidFill>
+          <a:schemeClr val="tx1"/>
+        </a:solidFill>
+        <a:latin typeface="+mn-lt"/>
+        <a:ea typeface="+mn-ea"/>
+        <a:cs typeface="+mn-cs"/>
+      </a:defRPr>
+    </a:lvl1pPr>
+    <a:lvl2pPr marL="457200" algn="l" defTabSz="914400" rtl="0" eaLnBrk="1" latinLnBrk="0" hangingPunct="1">
+      <a:defRPr sz="1200" kern="1200">
+        <a:solidFill>
+          <a:schemeClr val="tx1"/>
+        </a:solidFill>
+        <a:latin typeface="+mn-lt"/>
+        <a:ea typeface="+mn-ea"/>
+        <a:cs typeface="+mn-cs"/>
+      </a:defRPr>
+    </a:lvl2pPr>
+    <a:lvl3pPr marL="914400" algn="l" defTabSz="914400" rtl="0" eaLnBrk="1" latinLnBrk="0" hangingPunct="1">
+      <a:defRPr sz="1200" kern="1200">
+        <a:solidFill>
+          <a:schemeClr val="tx1"/>
+        </a:solidFill>
+        <a:latin typeface="+mn-lt"/>
+        <a:ea typeface="+mn-ea"/>
+        <a:cs typeface="+mn-cs"/>
+      </a:defRPr>
+    </a:lvl3pPr>
+    <a:lvl4pPr marL="1371600" algn="l" defTabSz="914400" rtl="0" eaLnBrk="1" latinLnBrk="0" hangingPunct="1">
+      <a:defRPr sz="1200" kern="1200">
+        <a:solidFill>
+          <a:schemeClr val="tx1"/>
+        </a:solidFill>
+        <a:latin typeface="+mn-lt"/>
+        <a:ea typeface="+mn-ea"/>
+        <a:cs typeface="+mn-cs"/>
+      </a:defRPr>
+    </a:lvl4pPr>
+    <a:lvl5pPr marL="1828800" algn="l" defTabSz="914400" rtl="0" eaLnBrk="1" latinLnBrk="0" hangingPunct="1">
+      <a:defRPr sz="1200" kern="1200">
+        <a:solidFill>
+          <a:schemeClr val="tx1"/>
+        </a:solidFill>
+        <a:latin typeface="+mn-lt"/>
+        <a:ea typeface="+mn-ea"/>
+        <a:cs typeface="+mn-cs"/>
+      </a:defRPr>
+    </a:lvl5pPr>
+    <a:lvl6pPr marL="2286000" algn="l" defTabSz="914400" rtl="0" eaLnBrk="1" latinLnBrk="0" hangingPunct="1">
+      <a:defRPr sz="1200" kern="1200">
+        <a:solidFill>
+          <a:schemeClr val="tx1"/>
+        </a:solidFill>
+        <a:latin typeface="+mn-lt"/>
+        <a:ea typeface="+mn-ea"/>
+        <a:cs typeface="+mn-cs"/>
+      </a:defRPr>
+    </a:lvl6pPr>
+    <a:lvl7pPr marL="2743200" algn="l" defTabSz="914400" rtl="0" eaLnBrk="1" latinLnBrk="0" hangingPunct="1">
+      <a:defRPr sz="1200" kern="1200">
+        <a:solidFill>
+          <a:schemeClr val="tx1"/>
+        </a:solidFill>
+        <a:latin typeface="+mn-lt"/>
+        <a:ea typeface="+mn-ea"/>
+        <a:cs typeface="+mn-cs"/>
+      </a:defRPr>
+    </a:lvl7pPr>
+    <a:lvl8pPr marL="3200400" algn="l" defTabSz="914400" rtl="0" eaLnBrk="1" latinLnBrk="0" hangingPunct="1">
+      <a:defRPr sz="1200" kern="1200">
+        <a:solidFill>
+          <a:schemeClr val="tx1"/>
+        </a:solidFill>
+        <a:latin typeface="+mn-lt"/>
+        <a:ea typeface="+mn-ea"/>
+        <a:cs typeface="+mn-cs"/>
+      </a:defRPr>
+    </a:lvl8pPr>
+    <a:lvl9pPr marL="3657600" algn="l" defTabSz="914400" rtl="0" eaLnBrk="1" latinLnBrk="0" hangingPunct="1">
+      <a:defRPr sz="1200" kern="1200">
+        <a:solidFill>
+          <a:schemeClr val="tx1"/>
+        </a:solidFill>
+        <a:latin typeface="+mn-lt"/>
+        <a:ea typeface="+mn-ea"/>
+        <a:cs typeface="+mn-cs"/>
+      </a:defRPr>
+    </a:lvl9pPr>
+  </p:notesStyle>
+</p:notesMaster>
+</file>
+
 <file path=ppt/slideLayouts/slideLayout1.xml><?xml version="1.0" encoding="utf-8"?>
 <p:sldLayout xmlns:a="http://schemas.openxmlformats.org/drawingml/2006/main" xmlns:r="http://schemas.openxmlformats.org/officeDocument/2006/relationships" xmlns:p="http://schemas.openxmlformats.org/presentationml/2006/main" type="title" preserve="1">
   <p:cSld name="Başlık Slaydı">
@@ -256,7 +611,7 @@
           <a:p>
             <a:fld id="{9327C9D7-77CB-44B4-97E9-9309E31D5E07}" type="datetimeFigureOut">
               <a:rPr lang="tr-TR" smtClean="0"/>
-              <a:t>18.03.2021</a:t>
+              <a:t>5.04.2022</a:t>
             </a:fld>
             <a:endParaRPr lang="tr-TR"/>
           </a:p>
@@ -424,7 +779,7 @@
           <a:p>
             <a:fld id="{9327C9D7-77CB-44B4-97E9-9309E31D5E07}" type="datetimeFigureOut">
               <a:rPr lang="tr-TR" smtClean="0"/>
-              <a:t>18.03.2021</a:t>
+              <a:t>5.04.2022</a:t>
             </a:fld>
             <a:endParaRPr lang="tr-TR"/>
           </a:p>
@@ -602,7 +957,7 @@
           <a:p>
             <a:fld id="{9327C9D7-77CB-44B4-97E9-9309E31D5E07}" type="datetimeFigureOut">
               <a:rPr lang="tr-TR" smtClean="0"/>
-              <a:t>18.03.2021</a:t>
+              <a:t>5.04.2022</a:t>
             </a:fld>
             <a:endParaRPr lang="tr-TR"/>
           </a:p>
@@ -983,7 +1338,7 @@
           <a:p>
             <a:fld id="{9327C9D7-77CB-44B4-97E9-9309E31D5E07}" type="datetimeFigureOut">
               <a:rPr lang="tr-TR" smtClean="0"/>
-              <a:t>18.03.2021</a:t>
+              <a:t>5.04.2022</a:t>
             </a:fld>
             <a:endParaRPr lang="tr-TR"/>
           </a:p>
@@ -1228,7 +1583,7 @@
           <a:p>
             <a:fld id="{9327C9D7-77CB-44B4-97E9-9309E31D5E07}" type="datetimeFigureOut">
               <a:rPr lang="tr-TR" smtClean="0"/>
-              <a:t>18.03.2021</a:t>
+              <a:t>5.04.2022</a:t>
             </a:fld>
             <a:endParaRPr lang="tr-TR"/>
           </a:p>
@@ -1457,7 +1812,7 @@
           <a:p>
             <a:fld id="{9327C9D7-77CB-44B4-97E9-9309E31D5E07}" type="datetimeFigureOut">
               <a:rPr lang="tr-TR" smtClean="0"/>
-              <a:t>18.03.2021</a:t>
+              <a:t>5.04.2022</a:t>
             </a:fld>
             <a:endParaRPr lang="tr-TR"/>
           </a:p>
@@ -1821,7 +2176,7 @@
           <a:p>
             <a:fld id="{9327C9D7-77CB-44B4-97E9-9309E31D5E07}" type="datetimeFigureOut">
               <a:rPr lang="tr-TR" smtClean="0"/>
-              <a:t>18.03.2021</a:t>
+              <a:t>5.04.2022</a:t>
             </a:fld>
             <a:endParaRPr lang="tr-TR"/>
           </a:p>
@@ -1938,7 +2293,7 @@
           <a:p>
             <a:fld id="{9327C9D7-77CB-44B4-97E9-9309E31D5E07}" type="datetimeFigureOut">
               <a:rPr lang="tr-TR" smtClean="0"/>
-              <a:t>18.03.2021</a:t>
+              <a:t>5.04.2022</a:t>
             </a:fld>
             <a:endParaRPr lang="tr-TR"/>
           </a:p>
@@ -2033,7 +2388,7 @@
           <a:p>
             <a:fld id="{9327C9D7-77CB-44B4-97E9-9309E31D5E07}" type="datetimeFigureOut">
               <a:rPr lang="tr-TR" smtClean="0"/>
-              <a:t>18.03.2021</a:t>
+              <a:t>5.04.2022</a:t>
             </a:fld>
             <a:endParaRPr lang="tr-TR"/>
           </a:p>
@@ -2308,7 +2663,7 @@
           <a:p>
             <a:fld id="{9327C9D7-77CB-44B4-97E9-9309E31D5E07}" type="datetimeFigureOut">
               <a:rPr lang="tr-TR" smtClean="0"/>
-              <a:t>18.03.2021</a:t>
+              <a:t>5.04.2022</a:t>
             </a:fld>
             <a:endParaRPr lang="tr-TR"/>
           </a:p>
@@ -2560,7 +2915,7 @@
           <a:p>
             <a:fld id="{9327C9D7-77CB-44B4-97E9-9309E31D5E07}" type="datetimeFigureOut">
               <a:rPr lang="tr-TR" smtClean="0"/>
-              <a:t>18.03.2021</a:t>
+              <a:t>5.04.2022</a:t>
             </a:fld>
             <a:endParaRPr lang="tr-TR"/>
           </a:p>
@@ -2771,7 +3126,7 @@
           <a:p>
             <a:fld id="{9327C9D7-77CB-44B4-97E9-9309E31D5E07}" type="datetimeFigureOut">
               <a:rPr lang="tr-TR" smtClean="0"/>
-              <a:t>18.03.2021</a:t>
+              <a:t>5.04.2022</a:t>
             </a:fld>
             <a:endParaRPr lang="tr-TR"/>
           </a:p>
@@ -4722,6 +5077,423 @@
           </a:xfrm>
         </p:spPr>
         <p:txBody>
+          <a:bodyPr>
+            <a:normAutofit/>
+          </a:bodyPr>
+          <a:lstStyle/>
+          <a:p>
+            <a:r>
+              <a:rPr lang="tr-TR" b="1" dirty="0"/>
+              <a:t>İsimlendirilmiş Yapıcılar</a:t>
+            </a:r>
+          </a:p>
+        </p:txBody>
+      </p:sp>
+      <p:sp>
+        <p:nvSpPr>
+          <p:cNvPr id="3" name="İçerik Yer Tutucusu 2"/>
+          <p:cNvSpPr>
+            <a:spLocks noGrp="1"/>
+          </p:cNvSpPr>
+          <p:nvPr>
+            <p:ph idx="1"/>
+          </p:nvPr>
+        </p:nvSpPr>
+        <p:spPr>
+          <a:xfrm>
+            <a:off x="838200" y="1354015"/>
+            <a:ext cx="10791654" cy="4822948"/>
+          </a:xfrm>
+        </p:spPr>
+        <p:txBody>
+          <a:bodyPr>
+            <a:normAutofit/>
+          </a:bodyPr>
+          <a:lstStyle/>
+          <a:p>
+            <a:pPr algn="just"/>
+            <a:r>
+              <a:rPr lang="tr-TR" sz="2400" dirty="0"/>
+              <a:t>Eğer sınıfımıza birden fazla yapıcı eklemek istiyorsak isimlendirilmiş yapıcıları kullanırız. </a:t>
+            </a:r>
+          </a:p>
+          <a:p>
+            <a:pPr algn="just"/>
+            <a:r>
+              <a:rPr lang="tr-TR" sz="2400" dirty="0"/>
+              <a:t>insan sınıfımız hem insan adlı yapıcı fonksiyona sahip, hem de </a:t>
+            </a:r>
+            <a:r>
+              <a:rPr lang="tr-TR" sz="2400" dirty="0" err="1"/>
+              <a:t>insan.bos</a:t>
+            </a:r>
+            <a:r>
+              <a:rPr lang="tr-TR" sz="2400" dirty="0"/>
+              <a:t> adında isimlendirilmiş yapıcı fonksiyona sahip. </a:t>
+            </a:r>
+            <a:r>
+              <a:rPr lang="tr-TR" sz="2400" dirty="0" err="1"/>
+              <a:t>insan.bos</a:t>
+            </a:r>
+            <a:r>
+              <a:rPr lang="tr-TR" sz="2400" dirty="0"/>
+              <a:t> yapıcı fonksiyonumuz insan sınıfından üretilen nesnede kullanıldığında değişkenlere boş bilgiler giriyor.</a:t>
+            </a:r>
+          </a:p>
+          <a:p>
+            <a:pPr algn="just"/>
+            <a:r>
+              <a:rPr lang="tr-TR" sz="2400" dirty="0"/>
+              <a:t>main fonksiyonumuzda nesne üretimini gözlemlediğimizde, nesnenin </a:t>
+            </a:r>
+            <a:r>
+              <a:rPr lang="tr-TR" sz="2400" dirty="0" err="1"/>
+              <a:t>insan.bos</a:t>
+            </a:r>
+            <a:r>
+              <a:rPr lang="tr-TR" sz="2400" dirty="0"/>
+              <a:t>() yapıcı fonksiyonu ile üretildiğini görüyoruz.</a:t>
+            </a:r>
+          </a:p>
+          <a:p>
+            <a:pPr algn="just"/>
+            <a:endParaRPr lang="tr-TR" sz="2400" dirty="0"/>
+          </a:p>
+        </p:txBody>
+      </p:sp>
+      <p:pic>
+        <p:nvPicPr>
+          <p:cNvPr id="5" name="Picture 6" descr="Building Basic Backend Servers with Dart's Core Library - Dart Tutorial  Part 4 — Steemit">
+            <a:extLst>
+              <a:ext uri="{FF2B5EF4-FFF2-40B4-BE49-F238E27FC236}">
+                <a16:creationId xmlns:a16="http://schemas.microsoft.com/office/drawing/2014/main" id="{3F18DE30-1947-46DB-8549-B069289951D4}"/>
+              </a:ext>
+            </a:extLst>
+          </p:cNvPr>
+          <p:cNvPicPr>
+            <a:picLocks noChangeAspect="1" noChangeArrowheads="1"/>
+          </p:cNvPicPr>
+          <p:nvPr/>
+        </p:nvPicPr>
+        <p:blipFill>
+          <a:blip r:embed="rId2">
+            <a:extLst>
+              <a:ext uri="{28A0092B-C50C-407E-A947-70E740481C1C}">
+                <a14:useLocalDpi xmlns:a14="http://schemas.microsoft.com/office/drawing/2010/main" val="0"/>
+              </a:ext>
+            </a:extLst>
+          </a:blip>
+          <a:srcRect/>
+          <a:stretch>
+            <a:fillRect/>
+          </a:stretch>
+        </p:blipFill>
+        <p:spPr bwMode="auto">
+          <a:xfrm>
+            <a:off x="10668000" y="55439"/>
+            <a:ext cx="1348086" cy="754928"/>
+          </a:xfrm>
+          <a:prstGeom prst="rect">
+            <a:avLst/>
+          </a:prstGeom>
+          <a:noFill/>
+          <a:extLst>
+            <a:ext uri="{909E8E84-426E-40DD-AFC4-6F175D3DCCD1}">
+              <a14:hiddenFill xmlns:a14="http://schemas.microsoft.com/office/drawing/2010/main">
+                <a:solidFill>
+                  <a:srgbClr val="FFFFFF"/>
+                </a:solidFill>
+              </a14:hiddenFill>
+            </a:ext>
+          </a:extLst>
+        </p:spPr>
+      </p:pic>
+      <p:pic>
+        <p:nvPicPr>
+          <p:cNvPr id="9" name="Resim 8">
+            <a:extLst>
+              <a:ext uri="{FF2B5EF4-FFF2-40B4-BE49-F238E27FC236}">
+                <a16:creationId xmlns:a16="http://schemas.microsoft.com/office/drawing/2014/main" id="{F5BCA442-1670-4F47-9B58-C6AC2BA4FCA8}"/>
+              </a:ext>
+            </a:extLst>
+          </p:cNvPr>
+          <p:cNvPicPr>
+            <a:picLocks noChangeAspect="1"/>
+          </p:cNvPicPr>
+          <p:nvPr/>
+        </p:nvPicPr>
+        <p:blipFill>
+          <a:blip r:embed="rId3"/>
+          <a:stretch>
+            <a:fillRect/>
+          </a:stretch>
+        </p:blipFill>
+        <p:spPr>
+          <a:xfrm>
+            <a:off x="3801297" y="4027300"/>
+            <a:ext cx="4589405" cy="2744802"/>
+          </a:xfrm>
+          <a:prstGeom prst="rect">
+            <a:avLst/>
+          </a:prstGeom>
+        </p:spPr>
+      </p:pic>
+    </p:spTree>
+    <p:extLst>
+      <p:ext uri="{BB962C8B-B14F-4D97-AF65-F5344CB8AC3E}">
+        <p14:creationId xmlns:p14="http://schemas.microsoft.com/office/powerpoint/2010/main" val="3372539509"/>
+      </p:ext>
+    </p:extLst>
+  </p:cSld>
+  <p:clrMapOvr>
+    <a:masterClrMapping/>
+  </p:clrMapOvr>
+</p:sld>
+</file>
+
+<file path=ppt/slides/slide11.xml><?xml version="1.0" encoding="utf-8"?>
+<p:sld xmlns:a="http://schemas.openxmlformats.org/drawingml/2006/main" xmlns:r="http://schemas.openxmlformats.org/officeDocument/2006/relationships" xmlns:p="http://schemas.openxmlformats.org/presentationml/2006/main">
+  <p:cSld>
+    <p:spTree>
+      <p:nvGrpSpPr>
+        <p:cNvPr id="1" name=""/>
+        <p:cNvGrpSpPr/>
+        <p:nvPr/>
+      </p:nvGrpSpPr>
+      <p:grpSpPr>
+        <a:xfrm>
+          <a:off x="0" y="0"/>
+          <a:ext cx="0" cy="0"/>
+          <a:chOff x="0" y="0"/>
+          <a:chExt cx="0" cy="0"/>
+        </a:xfrm>
+      </p:grpSpPr>
+      <p:sp>
+        <p:nvSpPr>
+          <p:cNvPr id="2" name="Unvan 1"/>
+          <p:cNvSpPr>
+            <a:spLocks noGrp="1"/>
+          </p:cNvSpPr>
+          <p:nvPr>
+            <p:ph type="title"/>
+          </p:nvPr>
+        </p:nvSpPr>
+        <p:spPr>
+          <a:xfrm>
+            <a:off x="838200" y="365125"/>
+            <a:ext cx="10515600" cy="848213"/>
+          </a:xfrm>
+        </p:spPr>
+        <p:txBody>
+          <a:bodyPr>
+            <a:normAutofit/>
+          </a:bodyPr>
+          <a:lstStyle/>
+          <a:p>
+            <a:r>
+              <a:rPr lang="tr-TR" b="1" dirty="0"/>
+              <a:t>Sınıf-içi Fonksiyonlar</a:t>
+            </a:r>
+          </a:p>
+        </p:txBody>
+      </p:sp>
+      <p:sp>
+        <p:nvSpPr>
+          <p:cNvPr id="3" name="İçerik Yer Tutucusu 2"/>
+          <p:cNvSpPr>
+            <a:spLocks noGrp="1"/>
+          </p:cNvSpPr>
+          <p:nvPr>
+            <p:ph idx="1"/>
+          </p:nvPr>
+        </p:nvSpPr>
+        <p:spPr>
+          <a:xfrm>
+            <a:off x="838200" y="1354015"/>
+            <a:ext cx="10515600" cy="4822948"/>
+          </a:xfrm>
+        </p:spPr>
+        <p:txBody>
+          <a:bodyPr>
+            <a:normAutofit fontScale="92500" lnSpcReduction="10000"/>
+          </a:bodyPr>
+          <a:lstStyle/>
+          <a:p>
+            <a:pPr algn="just"/>
+            <a:r>
+              <a:rPr lang="tr-TR" dirty="0"/>
+              <a:t>Bir önceki konuda sınıf oluştururken insan üzerinden örnek vermiştik. Yine aynı örnek üzerinden gidelim.</a:t>
+            </a:r>
+          </a:p>
+          <a:p>
+            <a:pPr algn="just"/>
+            <a:r>
+              <a:rPr lang="tr-TR" dirty="0"/>
+              <a:t>insan sınıfımıza bir özellik (yani fonksiyon) ekleyelim. Bu özelliği tıpkı gerçek bir insanda bulunan kendini tanıtabilme yeteneği olsun.</a:t>
+            </a:r>
+          </a:p>
+          <a:p>
+            <a:pPr algn="just"/>
+            <a:r>
+              <a:rPr lang="tr-TR" dirty="0"/>
+              <a:t>insan sınıfımızın içerisine </a:t>
+            </a:r>
+            <a:r>
+              <a:rPr lang="tr-TR" b="1" dirty="0" err="1"/>
+              <a:t>kendiniTanit</a:t>
+            </a:r>
+            <a:r>
+              <a:rPr lang="tr-TR" dirty="0"/>
+              <a:t> adında bir fonksiyon ekledik. Fonksiyonumuz bir değer döndürmediği için tipini </a:t>
+            </a:r>
+            <a:r>
+              <a:rPr lang="tr-TR" b="1" dirty="0" err="1"/>
+              <a:t>void</a:t>
+            </a:r>
+            <a:r>
+              <a:rPr lang="tr-TR" dirty="0"/>
+              <a:t> yaptık. </a:t>
+            </a:r>
+            <a:r>
+              <a:rPr lang="tr-TR" dirty="0" err="1"/>
+              <a:t>print</a:t>
+            </a:r>
+            <a:r>
+              <a:rPr lang="tr-TR" dirty="0"/>
+              <a:t> fonksiyonu ile ekrana </a:t>
+            </a:r>
+            <a:r>
+              <a:rPr lang="tr-TR" b="1" dirty="0" err="1"/>
+              <a:t>this.isim</a:t>
+            </a:r>
+            <a:r>
+              <a:rPr lang="tr-TR" b="1" dirty="0"/>
+              <a:t> </a:t>
+            </a:r>
+            <a:r>
+              <a:rPr lang="tr-TR" dirty="0"/>
+              <a:t>ile nesneye özel olarak kendini tanıtacağı bir cümle bastırdık.</a:t>
+            </a:r>
+          </a:p>
+          <a:p>
+            <a:pPr algn="just"/>
+            <a:r>
+              <a:rPr lang="tr-TR" dirty="0"/>
+              <a:t>main fonksiyonu içerisinde de, kisi1 adında bir insan nesnesi oluşturduk ve içerisine yapıcıya gidecek olan parametre değerlerini girdik. Hemen aşağısındaki koda dikkat edelim. </a:t>
+            </a:r>
+            <a:r>
+              <a:rPr lang="tr-TR" dirty="0" err="1"/>
+              <a:t>kendiniTanit</a:t>
+            </a:r>
+            <a:r>
+              <a:rPr lang="tr-TR" dirty="0"/>
+              <a:t> fonksiyonu insan sınıfına ait olduğu için ve kisi1 nesnesi de insan sınıfından türetildiği için </a:t>
+            </a:r>
+            <a:r>
+              <a:rPr lang="tr-TR" dirty="0" err="1"/>
+              <a:t>kendiniTanit</a:t>
+            </a:r>
+            <a:r>
+              <a:rPr lang="tr-TR" dirty="0"/>
+              <a:t> fonksiyonunu kisi1 nesnesine iliştirdik.</a:t>
+            </a:r>
+          </a:p>
+        </p:txBody>
+      </p:sp>
+      <p:pic>
+        <p:nvPicPr>
+          <p:cNvPr id="4" name="Picture 6" descr="Building Basic Backend Servers with Dart's Core Library - Dart Tutorial  Part 4 — Steemit">
+            <a:extLst>
+              <a:ext uri="{FF2B5EF4-FFF2-40B4-BE49-F238E27FC236}">
+                <a16:creationId xmlns:a16="http://schemas.microsoft.com/office/drawing/2014/main" id="{C9DC6C37-418D-403E-AE7E-1CAB0D9C62C5}"/>
+              </a:ext>
+            </a:extLst>
+          </p:cNvPr>
+          <p:cNvPicPr>
+            <a:picLocks noChangeAspect="1" noChangeArrowheads="1"/>
+          </p:cNvPicPr>
+          <p:nvPr/>
+        </p:nvPicPr>
+        <p:blipFill>
+          <a:blip r:embed="rId2">
+            <a:extLst>
+              <a:ext uri="{28A0092B-C50C-407E-A947-70E740481C1C}">
+                <a14:useLocalDpi xmlns:a14="http://schemas.microsoft.com/office/drawing/2010/main" val="0"/>
+              </a:ext>
+            </a:extLst>
+          </a:blip>
+          <a:srcRect/>
+          <a:stretch>
+            <a:fillRect/>
+          </a:stretch>
+        </p:blipFill>
+        <p:spPr bwMode="auto">
+          <a:xfrm>
+            <a:off x="10668000" y="55439"/>
+            <a:ext cx="1348086" cy="754928"/>
+          </a:xfrm>
+          <a:prstGeom prst="rect">
+            <a:avLst/>
+          </a:prstGeom>
+          <a:noFill/>
+          <a:extLst>
+            <a:ext uri="{909E8E84-426E-40DD-AFC4-6F175D3DCCD1}">
+              <a14:hiddenFill xmlns:a14="http://schemas.microsoft.com/office/drawing/2010/main">
+                <a:solidFill>
+                  <a:srgbClr val="FFFFFF"/>
+                </a:solidFill>
+              </a14:hiddenFill>
+            </a:ext>
+          </a:extLst>
+        </p:spPr>
+      </p:pic>
+    </p:spTree>
+    <p:extLst>
+      <p:ext uri="{BB962C8B-B14F-4D97-AF65-F5344CB8AC3E}">
+        <p14:creationId xmlns:p14="http://schemas.microsoft.com/office/powerpoint/2010/main" val="318552896"/>
+      </p:ext>
+    </p:extLst>
+  </p:cSld>
+  <p:clrMapOvr>
+    <a:masterClrMapping/>
+  </p:clrMapOvr>
+</p:sld>
+</file>
+
+<file path=ppt/slides/slide12.xml><?xml version="1.0" encoding="utf-8"?>
+<p:sld xmlns:a="http://schemas.openxmlformats.org/drawingml/2006/main" xmlns:r="http://schemas.openxmlformats.org/officeDocument/2006/relationships" xmlns:p="http://schemas.openxmlformats.org/presentationml/2006/main">
+  <p:cSld>
+    <p:spTree>
+      <p:nvGrpSpPr>
+        <p:cNvPr id="1" name=""/>
+        <p:cNvGrpSpPr/>
+        <p:nvPr/>
+      </p:nvGrpSpPr>
+      <p:grpSpPr>
+        <a:xfrm>
+          <a:off x="0" y="0"/>
+          <a:ext cx="0" cy="0"/>
+          <a:chOff x="0" y="0"/>
+          <a:chExt cx="0" cy="0"/>
+        </a:xfrm>
+      </p:grpSpPr>
+      <p:sp>
+        <p:nvSpPr>
+          <p:cNvPr id="2" name="Unvan 1"/>
+          <p:cNvSpPr>
+            <a:spLocks noGrp="1"/>
+          </p:cNvSpPr>
+          <p:nvPr>
+            <p:ph type="title"/>
+          </p:nvPr>
+        </p:nvSpPr>
+        <p:spPr>
+          <a:xfrm>
+            <a:off x="838200" y="365125"/>
+            <a:ext cx="10515600" cy="848213"/>
+          </a:xfrm>
+        </p:spPr>
+        <p:txBody>
           <a:bodyPr/>
           <a:lstStyle/>
           <a:p>
@@ -4851,7 +5623,7 @@
 </p:sld>
 </file>
 
-<file path=ppt/slides/slide11.xml><?xml version="1.0" encoding="utf-8"?>
+<file path=ppt/slides/slide13.xml><?xml version="1.0" encoding="utf-8"?>
 <p:sld xmlns:a="http://schemas.openxmlformats.org/drawingml/2006/main" xmlns:r="http://schemas.openxmlformats.org/officeDocument/2006/relationships" xmlns:p="http://schemas.openxmlformats.org/presentationml/2006/main">
   <p:cSld>
     <p:spTree>
@@ -5056,7 +5828,7 @@
 </p:sld>
 </file>
 
-<file path=ppt/slides/slide12.xml><?xml version="1.0" encoding="utf-8"?>
+<file path=ppt/slides/slide14.xml><?xml version="1.0" encoding="utf-8"?>
 <p:sld xmlns:a="http://schemas.openxmlformats.org/drawingml/2006/main" xmlns:r="http://schemas.openxmlformats.org/officeDocument/2006/relationships" xmlns:p="http://schemas.openxmlformats.org/presentationml/2006/main">
   <p:cSld>
     <p:spTree>
@@ -5257,7 +6029,7 @@
 </p:sld>
 </file>
 
-<file path=ppt/slides/slide13.xml><?xml version="1.0" encoding="utf-8"?>
+<file path=ppt/slides/slide15.xml><?xml version="1.0" encoding="utf-8"?>
 <p:sld xmlns:a="http://schemas.openxmlformats.org/drawingml/2006/main" xmlns:r="http://schemas.openxmlformats.org/officeDocument/2006/relationships" xmlns:p="http://schemas.openxmlformats.org/presentationml/2006/main">
   <p:cSld>
     <p:spTree>
@@ -5471,7 +6243,7 @@
 </p:sld>
 </file>
 
-<file path=ppt/slides/slide14.xml><?xml version="1.0" encoding="utf-8"?>
+<file path=ppt/slides/slide16.xml><?xml version="1.0" encoding="utf-8"?>
 <p:sld xmlns:a="http://schemas.openxmlformats.org/drawingml/2006/main" xmlns:r="http://schemas.openxmlformats.org/officeDocument/2006/relationships" xmlns:p="http://schemas.openxmlformats.org/presentationml/2006/main">
   <p:cSld>
     <p:spTree>
@@ -5718,7 +6490,7 @@
 </p:sld>
 </file>
 
-<file path=ppt/slides/slide15.xml><?xml version="1.0" encoding="utf-8"?>
+<file path=ppt/slides/slide17.xml><?xml version="1.0" encoding="utf-8"?>
 <p:sld xmlns:a="http://schemas.openxmlformats.org/drawingml/2006/main" xmlns:r="http://schemas.openxmlformats.org/officeDocument/2006/relationships" xmlns:p="http://schemas.openxmlformats.org/presentationml/2006/main">
   <p:cSld>
     <p:spTree>
@@ -5877,7 +6649,7 @@
 </p:sld>
 </file>
 
-<file path=ppt/slides/slide16.xml><?xml version="1.0" encoding="utf-8"?>
+<file path=ppt/slides/slide18.xml><?xml version="1.0" encoding="utf-8"?>
 <p:sld xmlns:a="http://schemas.openxmlformats.org/drawingml/2006/main" xmlns:r="http://schemas.openxmlformats.org/officeDocument/2006/relationships" xmlns:p="http://schemas.openxmlformats.org/presentationml/2006/main">
   <p:cSld>
     <p:spTree>
@@ -5896,7 +6668,13 @@
       </p:grpSpPr>
       <p:sp>
         <p:nvSpPr>
-          <p:cNvPr id="2" name="Unvan 1"/>
+          <p:cNvPr id="2" name="Başlık 1">
+            <a:extLst>
+              <a:ext uri="{FF2B5EF4-FFF2-40B4-BE49-F238E27FC236}">
+                <a16:creationId xmlns:a16="http://schemas.microsoft.com/office/drawing/2014/main" id="{A51D17E9-8761-4164-B4F3-E5C1BE6EA6F5}"/>
+              </a:ext>
+            </a:extLst>
+          </p:cNvPr>
           <p:cNvSpPr>
             <a:spLocks noGrp="1"/>
           </p:cNvSpPr>
@@ -5904,10 +6682,47 @@
             <p:ph type="title"/>
           </p:nvPr>
         </p:nvSpPr>
+        <p:spPr/>
+        <p:txBody>
+          <a:bodyPr/>
+          <a:lstStyle/>
+          <a:p>
+            <a:r>
+              <a:rPr lang="tr-TR" b="1" dirty="0"/>
+              <a:t>Sınıflarda Soyut Sınıf (</a:t>
+            </a:r>
+            <a:r>
+              <a:rPr lang="tr-TR" b="1" dirty="0" err="1"/>
+              <a:t>Abstract</a:t>
+            </a:r>
+            <a:r>
+              <a:rPr lang="tr-TR" b="1" dirty="0"/>
+              <a:t>)</a:t>
+            </a:r>
+            <a:endParaRPr lang="tr-TR" dirty="0"/>
+          </a:p>
+        </p:txBody>
+      </p:sp>
+      <p:sp>
+        <p:nvSpPr>
+          <p:cNvPr id="3" name="İçerik Yer Tutucusu 2">
+            <a:extLst>
+              <a:ext uri="{FF2B5EF4-FFF2-40B4-BE49-F238E27FC236}">
+                <a16:creationId xmlns:a16="http://schemas.microsoft.com/office/drawing/2014/main" id="{33640F25-D88D-4E32-8EAA-3BEE07B61472}"/>
+              </a:ext>
+            </a:extLst>
+          </p:cNvPr>
+          <p:cNvSpPr>
+            <a:spLocks noGrp="1"/>
+          </p:cNvSpPr>
+          <p:nvPr>
+            <p:ph idx="1"/>
+          </p:nvPr>
+        </p:nvSpPr>
         <p:spPr>
           <a:xfrm>
-            <a:off x="838200" y="365125"/>
-            <a:ext cx="10515600" cy="848213"/>
+            <a:off x="7435660" y="1825625"/>
+            <a:ext cx="3918140" cy="4351338"/>
           </a:xfrm>
         </p:spPr>
         <p:txBody>
@@ -5916,142 +6731,307 @@
           </a:bodyPr>
           <a:lstStyle/>
           <a:p>
-            <a:r>
-              <a:rPr lang="tr-TR" b="1" dirty="0"/>
-              <a:t>Asenkron Programlama</a:t>
-            </a:r>
-          </a:p>
-        </p:txBody>
-      </p:sp>
-      <p:sp>
-        <p:nvSpPr>
-          <p:cNvPr id="3" name="İçerik Yer Tutucusu 2"/>
-          <p:cNvSpPr>
-            <a:spLocks noGrp="1"/>
-          </p:cNvSpPr>
-          <p:nvPr>
-            <p:ph idx="1"/>
-          </p:nvPr>
-        </p:nvSpPr>
-        <p:spPr>
-          <a:xfrm>
-            <a:off x="838200" y="1354015"/>
-            <a:ext cx="10515600" cy="4822948"/>
-          </a:xfrm>
-        </p:spPr>
-        <p:txBody>
-          <a:bodyPr/>
-          <a:lstStyle/>
-          <a:p>
             <a:pPr algn="just"/>
             <a:r>
-              <a:rPr lang="tr-TR" dirty="0"/>
-              <a:t>Asenkron işlemler, başka bir işleminizin bitmesini beklerken programınızın çalışmasına izin verir. </a:t>
-            </a:r>
-          </a:p>
-          <a:p>
-            <a:pPr algn="just"/>
-            <a:r>
-              <a:rPr lang="tr-TR" dirty="0"/>
-              <a:t>Örnek işlemler şunlardır:</a:t>
-            </a:r>
-          </a:p>
-          <a:p>
-            <a:pPr lvl="1" algn="just"/>
-            <a:r>
-              <a:rPr lang="tr-TR" dirty="0"/>
-              <a:t>Ağ üzerinden veri çekilirken,</a:t>
-            </a:r>
-          </a:p>
-          <a:p>
-            <a:pPr lvl="1" algn="just"/>
-            <a:r>
-              <a:rPr lang="tr-TR" dirty="0" err="1"/>
-              <a:t>Veritabanı</a:t>
-            </a:r>
-            <a:r>
-              <a:rPr lang="tr-TR" dirty="0"/>
-              <a:t> okunurken ve yazılırken,</a:t>
-            </a:r>
-          </a:p>
-          <a:p>
-            <a:pPr lvl="1" algn="just"/>
-            <a:r>
-              <a:rPr lang="tr-TR" dirty="0"/>
-              <a:t>Bir dosyanın okunması,</a:t>
-            </a:r>
-          </a:p>
-          <a:p>
-            <a:pPr lvl="1" algn="just"/>
-            <a:r>
-              <a:rPr lang="tr-TR" dirty="0"/>
-              <a:t>İndirme ve yükleme işlemi yapılırken</a:t>
-            </a:r>
-          </a:p>
-          <a:p>
-            <a:pPr algn="just"/>
-            <a:r>
-              <a:rPr lang="tr-TR" dirty="0"/>
-              <a:t>Bu yüzden asenkron programlama, bir program yazarken çok kullanılan bir özelliktir.</a:t>
-            </a:r>
-          </a:p>
-          <a:p>
-            <a:pPr algn="just"/>
-            <a:endParaRPr lang="tr-TR" dirty="0"/>
+              <a:rPr lang="tr-TR" sz="2400" dirty="0"/>
+              <a:t>Dart Dilinde </a:t>
+            </a:r>
+            <a:r>
+              <a:rPr lang="tr-TR" sz="2400" dirty="0" err="1"/>
+              <a:t>Abstract</a:t>
+            </a:r>
+            <a:r>
+              <a:rPr lang="tr-TR" sz="2400" dirty="0"/>
+              <a:t> Sınıflar genel tanımıyla nesne türetilemeyen sınıflardır.</a:t>
+            </a:r>
+            <a:r>
+              <a:rPr lang="en-US" sz="2400" dirty="0"/>
+              <a:t> </a:t>
+            </a:r>
+            <a:r>
+              <a:rPr lang="tr-TR" sz="2400" dirty="0"/>
+              <a:t>Aşağıdaki örnekte </a:t>
+            </a:r>
+            <a:r>
+              <a:rPr lang="en-US" sz="2400" dirty="0" err="1"/>
+              <a:t>OyunPc</a:t>
+            </a:r>
+            <a:r>
+              <a:rPr lang="tr-TR" sz="2400" dirty="0"/>
+              <a:t> sınıfının bağlı olduğu </a:t>
+            </a:r>
+            <a:r>
+              <a:rPr lang="en-US" sz="2400" dirty="0" err="1"/>
+              <a:t>Bilgisayar</a:t>
+            </a:r>
+            <a:r>
+              <a:rPr lang="tr-TR" sz="2400" dirty="0"/>
+              <a:t> sınıfı </a:t>
+            </a:r>
+            <a:r>
+              <a:rPr lang="tr-TR" sz="2400" dirty="0" err="1"/>
+              <a:t>Abstract</a:t>
+            </a:r>
+            <a:r>
+              <a:rPr lang="tr-TR" sz="2400" dirty="0"/>
+              <a:t> sınıf olduğundan dolayı nesne türetemedik fakat </a:t>
+            </a:r>
+            <a:r>
+              <a:rPr lang="tr-TR" sz="2400" dirty="0" err="1"/>
+              <a:t>super</a:t>
+            </a:r>
+            <a:r>
+              <a:rPr lang="tr-TR" sz="2400" dirty="0"/>
+              <a:t> anahtar kelimesiyle sınıfın içindeki metoda erişmiş olduk. </a:t>
+            </a:r>
           </a:p>
         </p:txBody>
       </p:sp>
       <p:pic>
         <p:nvPicPr>
-          <p:cNvPr id="4" name="Picture 6" descr="Building Basic Backend Servers with Dart's Core Library - Dart Tutorial  Part 4 — Steemit">
+          <p:cNvPr id="5" name="Resim 4">
             <a:extLst>
               <a:ext uri="{FF2B5EF4-FFF2-40B4-BE49-F238E27FC236}">
-                <a16:creationId xmlns:a16="http://schemas.microsoft.com/office/drawing/2014/main" id="{E8F59D8D-84A5-46AD-94CE-48F2C8239661}"/>
+                <a16:creationId xmlns:a16="http://schemas.microsoft.com/office/drawing/2014/main" id="{0CA097F4-717C-4468-99F3-B8C953C9AD26}"/>
               </a:ext>
             </a:extLst>
           </p:cNvPr>
           <p:cNvPicPr>
-            <a:picLocks noChangeAspect="1" noChangeArrowheads="1"/>
+            <a:picLocks noChangeAspect="1"/>
           </p:cNvPicPr>
           <p:nvPr/>
         </p:nvPicPr>
         <p:blipFill>
-          <a:blip r:embed="rId2">
-            <a:extLst>
-              <a:ext uri="{28A0092B-C50C-407E-A947-70E740481C1C}">
-                <a14:useLocalDpi xmlns:a14="http://schemas.microsoft.com/office/drawing/2010/main" val="0"/>
-              </a:ext>
-            </a:extLst>
-          </a:blip>
-          <a:srcRect/>
+          <a:blip r:embed="rId2"/>
           <a:stretch>
             <a:fillRect/>
           </a:stretch>
         </p:blipFill>
-        <p:spPr bwMode="auto">
-          <a:xfrm>
-            <a:off x="10668000" y="55439"/>
-            <a:ext cx="1348086" cy="754928"/>
+        <p:spPr>
+          <a:xfrm>
+            <a:off x="86685" y="2053223"/>
+            <a:ext cx="7277793" cy="4206959"/>
           </a:xfrm>
           <a:prstGeom prst="rect">
             <a:avLst/>
           </a:prstGeom>
-          <a:noFill/>
-          <a:extLst>
-            <a:ext uri="{909E8E84-426E-40DD-AFC4-6F175D3DCCD1}">
-              <a14:hiddenFill xmlns:a14="http://schemas.microsoft.com/office/drawing/2010/main">
-                <a:solidFill>
-                  <a:srgbClr val="FFFFFF"/>
-                </a:solidFill>
-              </a14:hiddenFill>
-            </a:ext>
-          </a:extLst>
         </p:spPr>
       </p:pic>
     </p:spTree>
     <p:extLst>
       <p:ext uri="{BB962C8B-B14F-4D97-AF65-F5344CB8AC3E}">
-        <p14:creationId xmlns:p14="http://schemas.microsoft.com/office/powerpoint/2010/main" val="1373174056"/>
+        <p14:creationId xmlns:p14="http://schemas.microsoft.com/office/powerpoint/2010/main" val="2368701493"/>
+      </p:ext>
+    </p:extLst>
+  </p:cSld>
+  <p:clrMapOvr>
+    <a:masterClrMapping/>
+  </p:clrMapOvr>
+</p:sld>
+</file>
+
+<file path=ppt/slides/slide19.xml><?xml version="1.0" encoding="utf-8"?>
+<p:sld xmlns:a="http://schemas.openxmlformats.org/drawingml/2006/main" xmlns:r="http://schemas.openxmlformats.org/officeDocument/2006/relationships" xmlns:p="http://schemas.openxmlformats.org/presentationml/2006/main">
+  <p:cSld>
+    <p:spTree>
+      <p:nvGrpSpPr>
+        <p:cNvPr id="1" name=""/>
+        <p:cNvGrpSpPr/>
+        <p:nvPr/>
+      </p:nvGrpSpPr>
+      <p:grpSpPr>
+        <a:xfrm>
+          <a:off x="0" y="0"/>
+          <a:ext cx="0" cy="0"/>
+          <a:chOff x="0" y="0"/>
+          <a:chExt cx="0" cy="0"/>
+        </a:xfrm>
+      </p:grpSpPr>
+      <p:sp>
+        <p:nvSpPr>
+          <p:cNvPr id="2" name="Başlık 1">
+            <a:extLst>
+              <a:ext uri="{FF2B5EF4-FFF2-40B4-BE49-F238E27FC236}">
+                <a16:creationId xmlns:a16="http://schemas.microsoft.com/office/drawing/2014/main" id="{A51D17E9-8761-4164-B4F3-E5C1BE6EA6F5}"/>
+              </a:ext>
+            </a:extLst>
+          </p:cNvPr>
+          <p:cNvSpPr>
+            <a:spLocks noGrp="1"/>
+          </p:cNvSpPr>
+          <p:nvPr>
+            <p:ph type="title"/>
+          </p:nvPr>
+        </p:nvSpPr>
+        <p:spPr/>
+        <p:txBody>
+          <a:bodyPr/>
+          <a:lstStyle/>
+          <a:p>
+            <a:r>
+              <a:rPr lang="tr-TR" b="1" dirty="0"/>
+              <a:t>Sınıflarda </a:t>
+            </a:r>
+            <a:r>
+              <a:rPr lang="en-US" b="1" dirty="0" err="1"/>
+              <a:t>Aray</a:t>
+            </a:r>
+            <a:r>
+              <a:rPr lang="tr-TR" b="1" dirty="0"/>
+              <a:t>üz (</a:t>
+            </a:r>
+            <a:r>
+              <a:rPr lang="tr-TR" b="1" dirty="0" err="1"/>
+              <a:t>Interface</a:t>
+            </a:r>
+            <a:r>
+              <a:rPr lang="tr-TR" b="1" dirty="0"/>
+              <a:t>)</a:t>
+            </a:r>
+            <a:endParaRPr lang="tr-TR" dirty="0"/>
+          </a:p>
+        </p:txBody>
+      </p:sp>
+      <p:sp>
+        <p:nvSpPr>
+          <p:cNvPr id="3" name="İçerik Yer Tutucusu 2">
+            <a:extLst>
+              <a:ext uri="{FF2B5EF4-FFF2-40B4-BE49-F238E27FC236}">
+                <a16:creationId xmlns:a16="http://schemas.microsoft.com/office/drawing/2014/main" id="{33640F25-D88D-4E32-8EAA-3BEE07B61472}"/>
+              </a:ext>
+            </a:extLst>
+          </p:cNvPr>
+          <p:cNvSpPr>
+            <a:spLocks noGrp="1"/>
+          </p:cNvSpPr>
+          <p:nvPr>
+            <p:ph idx="1"/>
+          </p:nvPr>
+        </p:nvSpPr>
+        <p:spPr/>
+        <p:txBody>
+          <a:bodyPr>
+            <a:normAutofit/>
+          </a:bodyPr>
+          <a:lstStyle/>
+          <a:p>
+            <a:pPr algn="just" fontAlgn="base"/>
+            <a:r>
+              <a:rPr lang="tr-TR" sz="2400" b="0" i="0" dirty="0">
+                <a:effectLst/>
+              </a:rPr>
+              <a:t>Normal bir </a:t>
+            </a:r>
+            <a:r>
+              <a:rPr lang="tr-TR" sz="2400" b="0" i="0" dirty="0" err="1">
+                <a:effectLst/>
+              </a:rPr>
+              <a:t>class</a:t>
+            </a:r>
+            <a:r>
+              <a:rPr lang="tr-TR" sz="2400" b="0" i="0" dirty="0">
+                <a:effectLst/>
+              </a:rPr>
+              <a:t> ı “</a:t>
+            </a:r>
+            <a:r>
+              <a:rPr lang="tr-TR" sz="2400" b="0" i="0" dirty="0" err="1">
+                <a:effectLst/>
+              </a:rPr>
+              <a:t>extends</a:t>
+            </a:r>
+            <a:r>
+              <a:rPr lang="tr-TR" sz="2400" b="0" i="0" dirty="0">
+                <a:effectLst/>
+              </a:rPr>
+              <a:t>” le miras aldığımızda normal miras almış oluruz. </a:t>
+            </a:r>
+            <a:r>
+              <a:rPr lang="tr-TR" sz="2400" b="0" i="0" dirty="0" err="1">
+                <a:effectLst/>
+              </a:rPr>
+              <a:t>implements</a:t>
+            </a:r>
+            <a:r>
+              <a:rPr lang="tr-TR" sz="2400" b="0" i="0" dirty="0">
+                <a:effectLst/>
+              </a:rPr>
+              <a:t> ile miras aldığımızda “</a:t>
+            </a:r>
+            <a:r>
+              <a:rPr lang="tr-TR" sz="2400" b="0" i="0" dirty="0" err="1">
+                <a:effectLst/>
+              </a:rPr>
+              <a:t>interface</a:t>
+            </a:r>
+            <a:r>
+              <a:rPr lang="tr-TR" sz="2400" b="0" i="0" dirty="0">
+                <a:effectLst/>
+              </a:rPr>
+              <a:t>” yapmış oluruz.</a:t>
+            </a:r>
+            <a:endParaRPr lang="en-US" sz="2400" b="0" i="0" dirty="0">
+              <a:effectLst/>
+            </a:endParaRPr>
+          </a:p>
+          <a:p>
+            <a:pPr algn="just" fontAlgn="base"/>
+            <a:r>
+              <a:rPr lang="tr-TR" sz="2400" b="0" i="0" dirty="0">
+                <a:effectLst/>
+              </a:rPr>
+              <a:t>“</a:t>
+            </a:r>
+            <a:r>
+              <a:rPr lang="tr-TR" sz="2400" b="0" i="0" dirty="0" err="1">
+                <a:effectLst/>
+              </a:rPr>
+              <a:t>implements</a:t>
+            </a:r>
+            <a:r>
+              <a:rPr lang="tr-TR" sz="2400" b="0" i="0" dirty="0">
+                <a:effectLst/>
+              </a:rPr>
+              <a:t>” edilen sınıfın her bir değişkeni, fonksiyonu miras alan sınıf tarafından yeniden tanımlanmak zorundadır.</a:t>
+            </a:r>
+            <a:endParaRPr lang="tr-TR" sz="2400" dirty="0"/>
+          </a:p>
+        </p:txBody>
+      </p:sp>
+      <p:pic>
+        <p:nvPicPr>
+          <p:cNvPr id="5" name="Resim 4">
+            <a:extLst>
+              <a:ext uri="{FF2B5EF4-FFF2-40B4-BE49-F238E27FC236}">
+                <a16:creationId xmlns:a16="http://schemas.microsoft.com/office/drawing/2014/main" id="{C305501C-7531-4F1E-BD20-8C4D66B1B384}"/>
+              </a:ext>
+            </a:extLst>
+          </p:cNvPr>
+          <p:cNvPicPr>
+            <a:picLocks noChangeAspect="1"/>
+          </p:cNvPicPr>
+          <p:nvPr/>
+        </p:nvPicPr>
+        <p:blipFill>
+          <a:blip r:embed="rId2"/>
+          <a:stretch>
+            <a:fillRect/>
+          </a:stretch>
+        </p:blipFill>
+        <p:spPr>
+          <a:xfrm>
+            <a:off x="1520094" y="3514660"/>
+            <a:ext cx="9151811" cy="2978215"/>
+          </a:xfrm>
+          <a:prstGeom prst="rect">
+            <a:avLst/>
+          </a:prstGeom>
+        </p:spPr>
+      </p:pic>
+    </p:spTree>
+    <p:extLst>
+      <p:ext uri="{BB962C8B-B14F-4D97-AF65-F5344CB8AC3E}">
+        <p14:creationId xmlns:p14="http://schemas.microsoft.com/office/powerpoint/2010/main" val="3281333281"/>
       </p:ext>
     </p:extLst>
   </p:cSld>
@@ -6240,6 +7220,76 @@
               </a:rPr>
               <a:t> ve Set Fonksiyonları</a:t>
             </a:r>
+          </a:p>
+          <a:p>
+            <a:pPr algn="just"/>
+            <a:r>
+              <a:rPr lang="tr-TR" b="1" dirty="0">
+                <a:solidFill>
+                  <a:srgbClr val="04599C"/>
+                </a:solidFill>
+              </a:rPr>
+              <a:t>Soyut Sınıf (</a:t>
+            </a:r>
+            <a:r>
+              <a:rPr lang="tr-TR" b="1" dirty="0" err="1">
+                <a:solidFill>
+                  <a:srgbClr val="04599C"/>
+                </a:solidFill>
+              </a:rPr>
+              <a:t>Abstract</a:t>
+            </a:r>
+            <a:r>
+              <a:rPr lang="tr-TR" b="1" dirty="0">
+                <a:solidFill>
+                  <a:srgbClr val="04599C"/>
+                </a:solidFill>
+              </a:rPr>
+              <a:t>)</a:t>
+            </a:r>
+          </a:p>
+          <a:p>
+            <a:pPr algn="just"/>
+            <a:r>
+              <a:rPr lang="tr-TR" b="1" dirty="0" err="1">
+                <a:solidFill>
+                  <a:srgbClr val="04599C"/>
+                </a:solidFill>
+              </a:rPr>
+              <a:t>Arayüz</a:t>
+            </a:r>
+            <a:r>
+              <a:rPr lang="tr-TR" b="1" dirty="0">
+                <a:solidFill>
+                  <a:srgbClr val="04599C"/>
+                </a:solidFill>
+              </a:rPr>
+              <a:t> (</a:t>
+            </a:r>
+            <a:r>
+              <a:rPr lang="tr-TR" b="1" dirty="0" err="1">
+                <a:solidFill>
+                  <a:srgbClr val="04599C"/>
+                </a:solidFill>
+              </a:rPr>
+              <a:t>Interface</a:t>
+            </a:r>
+            <a:r>
+              <a:rPr lang="tr-TR" b="1" dirty="0">
+                <a:solidFill>
+                  <a:srgbClr val="04599C"/>
+                </a:solidFill>
+              </a:rPr>
+              <a:t>) </a:t>
+            </a:r>
+          </a:p>
+          <a:p>
+            <a:pPr algn="just"/>
+            <a:endParaRPr lang="tr-TR" b="1" dirty="0">
+              <a:solidFill>
+                <a:srgbClr val="04599C"/>
+              </a:solidFill>
+            </a:endParaRPr>
           </a:p>
           <a:p>
             <a:pPr algn="just"/>
@@ -6904,6 +7954,242 @@
       </p:grpSpPr>
       <p:sp>
         <p:nvSpPr>
+          <p:cNvPr id="2" name="Başlık 1">
+            <a:extLst>
+              <a:ext uri="{FF2B5EF4-FFF2-40B4-BE49-F238E27FC236}">
+                <a16:creationId xmlns:a16="http://schemas.microsoft.com/office/drawing/2014/main" id="{3C015C81-6CCD-4081-959D-864F92712283}"/>
+              </a:ext>
+            </a:extLst>
+          </p:cNvPr>
+          <p:cNvSpPr>
+            <a:spLocks noGrp="1"/>
+          </p:cNvSpPr>
+          <p:nvPr>
+            <p:ph type="title"/>
+          </p:nvPr>
+        </p:nvSpPr>
+        <p:spPr/>
+        <p:txBody>
+          <a:bodyPr/>
+          <a:lstStyle/>
+          <a:p>
+            <a:r>
+              <a:rPr lang="tr-TR" b="1" dirty="0" err="1"/>
+              <a:t>Constructors</a:t>
+            </a:r>
+            <a:r>
+              <a:rPr lang="tr-TR" b="1" dirty="0"/>
+              <a:t> (Yapıcılar)</a:t>
+            </a:r>
+            <a:endParaRPr lang="tr-TR" dirty="0"/>
+          </a:p>
+        </p:txBody>
+      </p:sp>
+      <p:sp>
+        <p:nvSpPr>
+          <p:cNvPr id="3" name="İçerik Yer Tutucusu 2">
+            <a:extLst>
+              <a:ext uri="{FF2B5EF4-FFF2-40B4-BE49-F238E27FC236}">
+                <a16:creationId xmlns:a16="http://schemas.microsoft.com/office/drawing/2014/main" id="{C814A831-74C5-4485-87CD-B622A179C586}"/>
+              </a:ext>
+            </a:extLst>
+          </p:cNvPr>
+          <p:cNvSpPr>
+            <a:spLocks noGrp="1"/>
+          </p:cNvSpPr>
+          <p:nvPr>
+            <p:ph idx="1"/>
+          </p:nvPr>
+        </p:nvSpPr>
+        <p:spPr/>
+        <p:txBody>
+          <a:bodyPr/>
+          <a:lstStyle/>
+          <a:p>
+            <a:endParaRPr lang="tr-TR"/>
+          </a:p>
+        </p:txBody>
+      </p:sp>
+      <p:pic>
+        <p:nvPicPr>
+          <p:cNvPr id="5" name="Resim 4">
+            <a:extLst>
+              <a:ext uri="{FF2B5EF4-FFF2-40B4-BE49-F238E27FC236}">
+                <a16:creationId xmlns:a16="http://schemas.microsoft.com/office/drawing/2014/main" id="{5BA12F10-5EC3-4285-89D2-2ADAC5905803}"/>
+              </a:ext>
+            </a:extLst>
+          </p:cNvPr>
+          <p:cNvPicPr>
+            <a:picLocks noChangeAspect="1"/>
+          </p:cNvPicPr>
+          <p:nvPr/>
+        </p:nvPicPr>
+        <p:blipFill>
+          <a:blip r:embed="rId2"/>
+          <a:stretch>
+            <a:fillRect/>
+          </a:stretch>
+        </p:blipFill>
+        <p:spPr>
+          <a:xfrm>
+            <a:off x="1916323" y="1638050"/>
+            <a:ext cx="8359354" cy="3581900"/>
+          </a:xfrm>
+          <a:prstGeom prst="rect">
+            <a:avLst/>
+          </a:prstGeom>
+        </p:spPr>
+      </p:pic>
+    </p:spTree>
+    <p:extLst>
+      <p:ext uri="{BB962C8B-B14F-4D97-AF65-F5344CB8AC3E}">
+        <p14:creationId xmlns:p14="http://schemas.microsoft.com/office/powerpoint/2010/main" val="3260486761"/>
+      </p:ext>
+    </p:extLst>
+  </p:cSld>
+  <p:clrMapOvr>
+    <a:masterClrMapping/>
+  </p:clrMapOvr>
+</p:sld>
+</file>
+
+<file path=ppt/slides/slide7.xml><?xml version="1.0" encoding="utf-8"?>
+<p:sld xmlns:a="http://schemas.openxmlformats.org/drawingml/2006/main" xmlns:r="http://schemas.openxmlformats.org/officeDocument/2006/relationships" xmlns:p="http://schemas.openxmlformats.org/presentationml/2006/main">
+  <p:cSld>
+    <p:spTree>
+      <p:nvGrpSpPr>
+        <p:cNvPr id="1" name=""/>
+        <p:cNvGrpSpPr/>
+        <p:nvPr/>
+      </p:nvGrpSpPr>
+      <p:grpSpPr>
+        <a:xfrm>
+          <a:off x="0" y="0"/>
+          <a:ext cx="0" cy="0"/>
+          <a:chOff x="0" y="0"/>
+          <a:chExt cx="0" cy="0"/>
+        </a:xfrm>
+      </p:grpSpPr>
+      <p:sp>
+        <p:nvSpPr>
+          <p:cNvPr id="2" name="Başlık 1">
+            <a:extLst>
+              <a:ext uri="{FF2B5EF4-FFF2-40B4-BE49-F238E27FC236}">
+                <a16:creationId xmlns:a16="http://schemas.microsoft.com/office/drawing/2014/main" id="{6A717EB6-20CB-4E10-B7C4-C660DCFBC367}"/>
+              </a:ext>
+            </a:extLst>
+          </p:cNvPr>
+          <p:cNvSpPr>
+            <a:spLocks noGrp="1"/>
+          </p:cNvSpPr>
+          <p:nvPr>
+            <p:ph type="title"/>
+          </p:nvPr>
+        </p:nvSpPr>
+        <p:spPr/>
+        <p:txBody>
+          <a:bodyPr/>
+          <a:lstStyle/>
+          <a:p>
+            <a:r>
+              <a:rPr lang="tr-TR" b="1" dirty="0" err="1"/>
+              <a:t>Constructors</a:t>
+            </a:r>
+            <a:r>
+              <a:rPr lang="tr-TR" b="1" dirty="0"/>
+              <a:t> (Yapıcılar)</a:t>
+            </a:r>
+            <a:endParaRPr lang="tr-TR" dirty="0"/>
+          </a:p>
+        </p:txBody>
+      </p:sp>
+      <p:sp>
+        <p:nvSpPr>
+          <p:cNvPr id="3" name="İçerik Yer Tutucusu 2">
+            <a:extLst>
+              <a:ext uri="{FF2B5EF4-FFF2-40B4-BE49-F238E27FC236}">
+                <a16:creationId xmlns:a16="http://schemas.microsoft.com/office/drawing/2014/main" id="{F6F313A3-7D45-4877-96C9-64FB3EEC66D1}"/>
+              </a:ext>
+            </a:extLst>
+          </p:cNvPr>
+          <p:cNvSpPr>
+            <a:spLocks noGrp="1"/>
+          </p:cNvSpPr>
+          <p:nvPr>
+            <p:ph idx="1"/>
+          </p:nvPr>
+        </p:nvSpPr>
+        <p:spPr/>
+        <p:txBody>
+          <a:bodyPr/>
+          <a:lstStyle/>
+          <a:p>
+            <a:endParaRPr lang="tr-TR"/>
+          </a:p>
+        </p:txBody>
+      </p:sp>
+      <p:pic>
+        <p:nvPicPr>
+          <p:cNvPr id="5" name="Resim 4">
+            <a:extLst>
+              <a:ext uri="{FF2B5EF4-FFF2-40B4-BE49-F238E27FC236}">
+                <a16:creationId xmlns:a16="http://schemas.microsoft.com/office/drawing/2014/main" id="{FB87BBE2-F225-4B27-BF2B-BA020218A1D9}"/>
+              </a:ext>
+            </a:extLst>
+          </p:cNvPr>
+          <p:cNvPicPr>
+            <a:picLocks noChangeAspect="1"/>
+          </p:cNvPicPr>
+          <p:nvPr/>
+        </p:nvPicPr>
+        <p:blipFill>
+          <a:blip r:embed="rId2"/>
+          <a:stretch>
+            <a:fillRect/>
+          </a:stretch>
+        </p:blipFill>
+        <p:spPr>
+          <a:xfrm>
+            <a:off x="1809152" y="1726168"/>
+            <a:ext cx="8573696" cy="3405663"/>
+          </a:xfrm>
+          <a:prstGeom prst="rect">
+            <a:avLst/>
+          </a:prstGeom>
+        </p:spPr>
+      </p:pic>
+    </p:spTree>
+    <p:extLst>
+      <p:ext uri="{BB962C8B-B14F-4D97-AF65-F5344CB8AC3E}">
+        <p14:creationId xmlns:p14="http://schemas.microsoft.com/office/powerpoint/2010/main" val="600021532"/>
+      </p:ext>
+    </p:extLst>
+  </p:cSld>
+  <p:clrMapOvr>
+    <a:masterClrMapping/>
+  </p:clrMapOvr>
+</p:sld>
+</file>
+
+<file path=ppt/slides/slide8.xml><?xml version="1.0" encoding="utf-8"?>
+<p:sld xmlns:a="http://schemas.openxmlformats.org/drawingml/2006/main" xmlns:r="http://schemas.openxmlformats.org/officeDocument/2006/relationships" xmlns:p="http://schemas.openxmlformats.org/presentationml/2006/main">
+  <p:cSld>
+    <p:spTree>
+      <p:nvGrpSpPr>
+        <p:cNvPr id="1" name=""/>
+        <p:cNvGrpSpPr/>
+        <p:nvPr/>
+      </p:nvGrpSpPr>
+      <p:grpSpPr>
+        <a:xfrm>
+          <a:off x="0" y="0"/>
+          <a:ext cx="0" cy="0"/>
+          <a:chOff x="0" y="0"/>
+          <a:chExt cx="0" cy="0"/>
+        </a:xfrm>
+      </p:grpSpPr>
+      <p:sp>
+        <p:nvSpPr>
           <p:cNvPr id="2" name="Unvan 1"/>
           <p:cNvSpPr>
             <a:spLocks noGrp="1"/>
@@ -7126,7 +8412,7 @@
 </p:sld>
 </file>
 
-<file path=ppt/slides/slide7.xml><?xml version="1.0" encoding="utf-8"?>
+<file path=ppt/slides/slide9.xml><?xml version="1.0" encoding="utf-8"?>
 <p:sld xmlns:a="http://schemas.openxmlformats.org/drawingml/2006/main" xmlns:r="http://schemas.openxmlformats.org/officeDocument/2006/relationships" xmlns:p="http://schemas.openxmlformats.org/presentationml/2006/main">
   <p:cSld>
     <p:spTree>
@@ -7301,423 +8587,6 @@
     <p:extLst>
       <p:ext uri="{BB962C8B-B14F-4D97-AF65-F5344CB8AC3E}">
         <p14:creationId xmlns:p14="http://schemas.microsoft.com/office/powerpoint/2010/main" val="3174024282"/>
-      </p:ext>
-    </p:extLst>
-  </p:cSld>
-  <p:clrMapOvr>
-    <a:masterClrMapping/>
-  </p:clrMapOvr>
-</p:sld>
-</file>
-
-<file path=ppt/slides/slide8.xml><?xml version="1.0" encoding="utf-8"?>
-<p:sld xmlns:a="http://schemas.openxmlformats.org/drawingml/2006/main" xmlns:r="http://schemas.openxmlformats.org/officeDocument/2006/relationships" xmlns:p="http://schemas.openxmlformats.org/presentationml/2006/main">
-  <p:cSld>
-    <p:spTree>
-      <p:nvGrpSpPr>
-        <p:cNvPr id="1" name=""/>
-        <p:cNvGrpSpPr/>
-        <p:nvPr/>
-      </p:nvGrpSpPr>
-      <p:grpSpPr>
-        <a:xfrm>
-          <a:off x="0" y="0"/>
-          <a:ext cx="0" cy="0"/>
-          <a:chOff x="0" y="0"/>
-          <a:chExt cx="0" cy="0"/>
-        </a:xfrm>
-      </p:grpSpPr>
-      <p:sp>
-        <p:nvSpPr>
-          <p:cNvPr id="2" name="Unvan 1"/>
-          <p:cNvSpPr>
-            <a:spLocks noGrp="1"/>
-          </p:cNvSpPr>
-          <p:nvPr>
-            <p:ph type="title"/>
-          </p:nvPr>
-        </p:nvSpPr>
-        <p:spPr>
-          <a:xfrm>
-            <a:off x="838200" y="365125"/>
-            <a:ext cx="10515600" cy="848213"/>
-          </a:xfrm>
-        </p:spPr>
-        <p:txBody>
-          <a:bodyPr>
-            <a:normAutofit/>
-          </a:bodyPr>
-          <a:lstStyle/>
-          <a:p>
-            <a:r>
-              <a:rPr lang="tr-TR" b="1" dirty="0"/>
-              <a:t>İsimlendirilmiş Yapıcılar</a:t>
-            </a:r>
-          </a:p>
-        </p:txBody>
-      </p:sp>
-      <p:sp>
-        <p:nvSpPr>
-          <p:cNvPr id="3" name="İçerik Yer Tutucusu 2"/>
-          <p:cNvSpPr>
-            <a:spLocks noGrp="1"/>
-          </p:cNvSpPr>
-          <p:nvPr>
-            <p:ph idx="1"/>
-          </p:nvPr>
-        </p:nvSpPr>
-        <p:spPr>
-          <a:xfrm>
-            <a:off x="838200" y="1354015"/>
-            <a:ext cx="10791654" cy="4822948"/>
-          </a:xfrm>
-        </p:spPr>
-        <p:txBody>
-          <a:bodyPr>
-            <a:normAutofit/>
-          </a:bodyPr>
-          <a:lstStyle/>
-          <a:p>
-            <a:pPr algn="just"/>
-            <a:r>
-              <a:rPr lang="tr-TR" sz="2400" dirty="0"/>
-              <a:t>Eğer sınıfımıza birden fazla yapıcı eklemek istiyorsak isimlendirilmiş yapıcıları kullanırız. </a:t>
-            </a:r>
-          </a:p>
-          <a:p>
-            <a:pPr algn="just"/>
-            <a:r>
-              <a:rPr lang="tr-TR" sz="2400" dirty="0"/>
-              <a:t>insan sınıfımız hem insan adlı yapıcı fonksiyona sahip, hem de </a:t>
-            </a:r>
-            <a:r>
-              <a:rPr lang="tr-TR" sz="2400" dirty="0" err="1"/>
-              <a:t>insan.bos</a:t>
-            </a:r>
-            <a:r>
-              <a:rPr lang="tr-TR" sz="2400" dirty="0"/>
-              <a:t> adında isimlendirilmiş yapıcı fonksiyona sahip. </a:t>
-            </a:r>
-            <a:r>
-              <a:rPr lang="tr-TR" sz="2400" dirty="0" err="1"/>
-              <a:t>insan.bos</a:t>
-            </a:r>
-            <a:r>
-              <a:rPr lang="tr-TR" sz="2400" dirty="0"/>
-              <a:t> yapıcı fonksiyonumuz insan sınıfından üretilen nesnede kullanıldığında değişkenlere boş bilgiler giriyor.</a:t>
-            </a:r>
-          </a:p>
-          <a:p>
-            <a:pPr algn="just"/>
-            <a:r>
-              <a:rPr lang="tr-TR" sz="2400" dirty="0"/>
-              <a:t>main fonksiyonumuzda nesne üretimini gözlemlediğimizde, nesnenin </a:t>
-            </a:r>
-            <a:r>
-              <a:rPr lang="tr-TR" sz="2400" dirty="0" err="1"/>
-              <a:t>insan.bos</a:t>
-            </a:r>
-            <a:r>
-              <a:rPr lang="tr-TR" sz="2400" dirty="0"/>
-              <a:t>() yapıcı fonksiyonu ile üretildiğini görüyoruz.</a:t>
-            </a:r>
-          </a:p>
-          <a:p>
-            <a:pPr algn="just"/>
-            <a:endParaRPr lang="tr-TR" sz="2400" dirty="0"/>
-          </a:p>
-        </p:txBody>
-      </p:sp>
-      <p:pic>
-        <p:nvPicPr>
-          <p:cNvPr id="5" name="Picture 6" descr="Building Basic Backend Servers with Dart's Core Library - Dart Tutorial  Part 4 — Steemit">
-            <a:extLst>
-              <a:ext uri="{FF2B5EF4-FFF2-40B4-BE49-F238E27FC236}">
-                <a16:creationId xmlns:a16="http://schemas.microsoft.com/office/drawing/2014/main" id="{3F18DE30-1947-46DB-8549-B069289951D4}"/>
-              </a:ext>
-            </a:extLst>
-          </p:cNvPr>
-          <p:cNvPicPr>
-            <a:picLocks noChangeAspect="1" noChangeArrowheads="1"/>
-          </p:cNvPicPr>
-          <p:nvPr/>
-        </p:nvPicPr>
-        <p:blipFill>
-          <a:blip r:embed="rId2">
-            <a:extLst>
-              <a:ext uri="{28A0092B-C50C-407E-A947-70E740481C1C}">
-                <a14:useLocalDpi xmlns:a14="http://schemas.microsoft.com/office/drawing/2010/main" val="0"/>
-              </a:ext>
-            </a:extLst>
-          </a:blip>
-          <a:srcRect/>
-          <a:stretch>
-            <a:fillRect/>
-          </a:stretch>
-        </p:blipFill>
-        <p:spPr bwMode="auto">
-          <a:xfrm>
-            <a:off x="10668000" y="55439"/>
-            <a:ext cx="1348086" cy="754928"/>
-          </a:xfrm>
-          <a:prstGeom prst="rect">
-            <a:avLst/>
-          </a:prstGeom>
-          <a:noFill/>
-          <a:extLst>
-            <a:ext uri="{909E8E84-426E-40DD-AFC4-6F175D3DCCD1}">
-              <a14:hiddenFill xmlns:a14="http://schemas.microsoft.com/office/drawing/2010/main">
-                <a:solidFill>
-                  <a:srgbClr val="FFFFFF"/>
-                </a:solidFill>
-              </a14:hiddenFill>
-            </a:ext>
-          </a:extLst>
-        </p:spPr>
-      </p:pic>
-      <p:pic>
-        <p:nvPicPr>
-          <p:cNvPr id="9" name="Resim 8">
-            <a:extLst>
-              <a:ext uri="{FF2B5EF4-FFF2-40B4-BE49-F238E27FC236}">
-                <a16:creationId xmlns:a16="http://schemas.microsoft.com/office/drawing/2014/main" id="{F5BCA442-1670-4F47-9B58-C6AC2BA4FCA8}"/>
-              </a:ext>
-            </a:extLst>
-          </p:cNvPr>
-          <p:cNvPicPr>
-            <a:picLocks noChangeAspect="1"/>
-          </p:cNvPicPr>
-          <p:nvPr/>
-        </p:nvPicPr>
-        <p:blipFill>
-          <a:blip r:embed="rId3"/>
-          <a:stretch>
-            <a:fillRect/>
-          </a:stretch>
-        </p:blipFill>
-        <p:spPr>
-          <a:xfrm>
-            <a:off x="3801297" y="4027300"/>
-            <a:ext cx="4589405" cy="2744802"/>
-          </a:xfrm>
-          <a:prstGeom prst="rect">
-            <a:avLst/>
-          </a:prstGeom>
-        </p:spPr>
-      </p:pic>
-    </p:spTree>
-    <p:extLst>
-      <p:ext uri="{BB962C8B-B14F-4D97-AF65-F5344CB8AC3E}">
-        <p14:creationId xmlns:p14="http://schemas.microsoft.com/office/powerpoint/2010/main" val="3372539509"/>
-      </p:ext>
-    </p:extLst>
-  </p:cSld>
-  <p:clrMapOvr>
-    <a:masterClrMapping/>
-  </p:clrMapOvr>
-</p:sld>
-</file>
-
-<file path=ppt/slides/slide9.xml><?xml version="1.0" encoding="utf-8"?>
-<p:sld xmlns:a="http://schemas.openxmlformats.org/drawingml/2006/main" xmlns:r="http://schemas.openxmlformats.org/officeDocument/2006/relationships" xmlns:p="http://schemas.openxmlformats.org/presentationml/2006/main">
-  <p:cSld>
-    <p:spTree>
-      <p:nvGrpSpPr>
-        <p:cNvPr id="1" name=""/>
-        <p:cNvGrpSpPr/>
-        <p:nvPr/>
-      </p:nvGrpSpPr>
-      <p:grpSpPr>
-        <a:xfrm>
-          <a:off x="0" y="0"/>
-          <a:ext cx="0" cy="0"/>
-          <a:chOff x="0" y="0"/>
-          <a:chExt cx="0" cy="0"/>
-        </a:xfrm>
-      </p:grpSpPr>
-      <p:sp>
-        <p:nvSpPr>
-          <p:cNvPr id="2" name="Unvan 1"/>
-          <p:cNvSpPr>
-            <a:spLocks noGrp="1"/>
-          </p:cNvSpPr>
-          <p:nvPr>
-            <p:ph type="title"/>
-          </p:nvPr>
-        </p:nvSpPr>
-        <p:spPr>
-          <a:xfrm>
-            <a:off x="838200" y="365125"/>
-            <a:ext cx="10515600" cy="848213"/>
-          </a:xfrm>
-        </p:spPr>
-        <p:txBody>
-          <a:bodyPr>
-            <a:normAutofit/>
-          </a:bodyPr>
-          <a:lstStyle/>
-          <a:p>
-            <a:r>
-              <a:rPr lang="tr-TR" b="1" dirty="0"/>
-              <a:t>Sınıf-içi Fonksiyonlar</a:t>
-            </a:r>
-          </a:p>
-        </p:txBody>
-      </p:sp>
-      <p:sp>
-        <p:nvSpPr>
-          <p:cNvPr id="3" name="İçerik Yer Tutucusu 2"/>
-          <p:cNvSpPr>
-            <a:spLocks noGrp="1"/>
-          </p:cNvSpPr>
-          <p:nvPr>
-            <p:ph idx="1"/>
-          </p:nvPr>
-        </p:nvSpPr>
-        <p:spPr>
-          <a:xfrm>
-            <a:off x="838200" y="1354015"/>
-            <a:ext cx="10515600" cy="4822948"/>
-          </a:xfrm>
-        </p:spPr>
-        <p:txBody>
-          <a:bodyPr>
-            <a:normAutofit fontScale="92500" lnSpcReduction="10000"/>
-          </a:bodyPr>
-          <a:lstStyle/>
-          <a:p>
-            <a:pPr algn="just"/>
-            <a:r>
-              <a:rPr lang="tr-TR" dirty="0"/>
-              <a:t>Bir önceki konuda sınıf oluştururken insan üzerinden örnek vermiştik. Yine aynı örnek üzerinden gidelim.</a:t>
-            </a:r>
-          </a:p>
-          <a:p>
-            <a:pPr algn="just"/>
-            <a:r>
-              <a:rPr lang="tr-TR" dirty="0"/>
-              <a:t>insan sınıfımıza bir özellik (yani fonksiyon) ekleyelim. Bu özelliği tıpkı gerçek bir insanda bulunan kendini tanıtabilme yeteneği olsun.</a:t>
-            </a:r>
-          </a:p>
-          <a:p>
-            <a:pPr algn="just"/>
-            <a:r>
-              <a:rPr lang="tr-TR" dirty="0"/>
-              <a:t>insan sınıfımızın içerisine </a:t>
-            </a:r>
-            <a:r>
-              <a:rPr lang="tr-TR" b="1" dirty="0" err="1"/>
-              <a:t>kendiniTanit</a:t>
-            </a:r>
-            <a:r>
-              <a:rPr lang="tr-TR" dirty="0"/>
-              <a:t> adında bir fonksiyon ekledik. Fonksiyonumuz bir değer döndürmediği için tipini </a:t>
-            </a:r>
-            <a:r>
-              <a:rPr lang="tr-TR" b="1" dirty="0" err="1"/>
-              <a:t>void</a:t>
-            </a:r>
-            <a:r>
-              <a:rPr lang="tr-TR" dirty="0"/>
-              <a:t> yaptık. </a:t>
-            </a:r>
-            <a:r>
-              <a:rPr lang="tr-TR" dirty="0" err="1"/>
-              <a:t>print</a:t>
-            </a:r>
-            <a:r>
-              <a:rPr lang="tr-TR" dirty="0"/>
-              <a:t> fonksiyonu ile ekrana </a:t>
-            </a:r>
-            <a:r>
-              <a:rPr lang="tr-TR" b="1" dirty="0" err="1"/>
-              <a:t>this.isim</a:t>
-            </a:r>
-            <a:r>
-              <a:rPr lang="tr-TR" b="1" dirty="0"/>
-              <a:t> </a:t>
-            </a:r>
-            <a:r>
-              <a:rPr lang="tr-TR" dirty="0"/>
-              <a:t>ile nesneye özel olarak kendini tanıtacağı bir cümle bastırdık.</a:t>
-            </a:r>
-          </a:p>
-          <a:p>
-            <a:pPr algn="just"/>
-            <a:r>
-              <a:rPr lang="tr-TR" dirty="0"/>
-              <a:t>main fonksiyonu içerisinde de, kisi1 adında bir insan nesnesi oluşturduk ve içerisine yapıcıya gidecek olan parametre değerlerini girdik. Hemen aşağısındaki koda dikkat edelim. </a:t>
-            </a:r>
-            <a:r>
-              <a:rPr lang="tr-TR" dirty="0" err="1"/>
-              <a:t>kendiniTanit</a:t>
-            </a:r>
-            <a:r>
-              <a:rPr lang="tr-TR" dirty="0"/>
-              <a:t> fonksiyonu insan sınıfına ait olduğu için ve kisi1 nesnesi de insan sınıfından türetildiği için </a:t>
-            </a:r>
-            <a:r>
-              <a:rPr lang="tr-TR" dirty="0" err="1"/>
-              <a:t>kendiniTanit</a:t>
-            </a:r>
-            <a:r>
-              <a:rPr lang="tr-TR" dirty="0"/>
-              <a:t> fonksiyonunu kisi1 nesnesine iliştirdik.</a:t>
-            </a:r>
-          </a:p>
-        </p:txBody>
-      </p:sp>
-      <p:pic>
-        <p:nvPicPr>
-          <p:cNvPr id="4" name="Picture 6" descr="Building Basic Backend Servers with Dart's Core Library - Dart Tutorial  Part 4 — Steemit">
-            <a:extLst>
-              <a:ext uri="{FF2B5EF4-FFF2-40B4-BE49-F238E27FC236}">
-                <a16:creationId xmlns:a16="http://schemas.microsoft.com/office/drawing/2014/main" id="{C9DC6C37-418D-403E-AE7E-1CAB0D9C62C5}"/>
-              </a:ext>
-            </a:extLst>
-          </p:cNvPr>
-          <p:cNvPicPr>
-            <a:picLocks noChangeAspect="1" noChangeArrowheads="1"/>
-          </p:cNvPicPr>
-          <p:nvPr/>
-        </p:nvPicPr>
-        <p:blipFill>
-          <a:blip r:embed="rId2">
-            <a:extLst>
-              <a:ext uri="{28A0092B-C50C-407E-A947-70E740481C1C}">
-                <a14:useLocalDpi xmlns:a14="http://schemas.microsoft.com/office/drawing/2010/main" val="0"/>
-              </a:ext>
-            </a:extLst>
-          </a:blip>
-          <a:srcRect/>
-          <a:stretch>
-            <a:fillRect/>
-          </a:stretch>
-        </p:blipFill>
-        <p:spPr bwMode="auto">
-          <a:xfrm>
-            <a:off x="10668000" y="55439"/>
-            <a:ext cx="1348086" cy="754928"/>
-          </a:xfrm>
-          <a:prstGeom prst="rect">
-            <a:avLst/>
-          </a:prstGeom>
-          <a:noFill/>
-          <a:extLst>
-            <a:ext uri="{909E8E84-426E-40DD-AFC4-6F175D3DCCD1}">
-              <a14:hiddenFill xmlns:a14="http://schemas.microsoft.com/office/drawing/2010/main">
-                <a:solidFill>
-                  <a:srgbClr val="FFFFFF"/>
-                </a:solidFill>
-              </a14:hiddenFill>
-            </a:ext>
-          </a:extLst>
-        </p:spPr>
-      </p:pic>
-    </p:spTree>
-    <p:extLst>
-      <p:ext uri="{BB962C8B-B14F-4D97-AF65-F5344CB8AC3E}">
-        <p14:creationId xmlns:p14="http://schemas.microsoft.com/office/powerpoint/2010/main" val="318552896"/>
       </p:ext>
     </p:extLst>
   </p:cSld>
@@ -7986,4 +8855,299 @@
     </a:ext>
   </a:extLst>
 </a:theme>
+</file>
+
+<file path=ppt/theme/theme2.xml><?xml version="1.0" encoding="utf-8"?>
+<a:theme xmlns:a="http://schemas.openxmlformats.org/drawingml/2006/main" name="Office Teması">
+  <a:themeElements>
+    <a:clrScheme name="Office">
+      <a:dk1>
+        <a:sysClr val="windowText" lastClr="000000"/>
+      </a:dk1>
+      <a:lt1>
+        <a:sysClr val="window" lastClr="FFFFFF"/>
+      </a:lt1>
+      <a:dk2>
+        <a:srgbClr val="44546A"/>
+      </a:dk2>
+      <a:lt2>
+        <a:srgbClr val="E7E6E6"/>
+      </a:lt2>
+      <a:accent1>
+        <a:srgbClr val="4472C4"/>
+      </a:accent1>
+      <a:accent2>
+        <a:srgbClr val="ED7D31"/>
+      </a:accent2>
+      <a:accent3>
+        <a:srgbClr val="A5A5A5"/>
+      </a:accent3>
+      <a:accent4>
+        <a:srgbClr val="FFC000"/>
+      </a:accent4>
+      <a:accent5>
+        <a:srgbClr val="5B9BD5"/>
+      </a:accent5>
+      <a:accent6>
+        <a:srgbClr val="70AD47"/>
+      </a:accent6>
+      <a:hlink>
+        <a:srgbClr val="0563C1"/>
+      </a:hlink>
+      <a:folHlink>
+        <a:srgbClr val="954F72"/>
+      </a:folHlink>
+    </a:clrScheme>
+    <a:fontScheme name="Office">
+      <a:majorFont>
+        <a:latin typeface="Calibri Light" panose="020F0302020204030204"/>
+        <a:ea typeface=""/>
+        <a:cs typeface=""/>
+        <a:font script="Jpan" typeface="游ゴシック Light"/>
+        <a:font script="Hang" typeface="맑은 고딕"/>
+        <a:font script="Hans" typeface="等线 Light"/>
+        <a:font script="Hant" typeface="新細明體"/>
+        <a:font script="Arab" typeface="Times New Roman"/>
+        <a:font script="Hebr" typeface="Times New Roman"/>
+        <a:font script="Thai" typeface="Angsana New"/>
+        <a:font script="Ethi" typeface="Nyala"/>
+        <a:font script="Beng" typeface="Vrinda"/>
+        <a:font script="Gujr" typeface="Shruti"/>
+        <a:font script="Khmr" typeface="MoolBoran"/>
+        <a:font script="Knda" typeface="Tunga"/>
+        <a:font script="Guru" typeface="Raavi"/>
+        <a:font script="Cans" typeface="Euphemia"/>
+        <a:font script="Cher" typeface="Plantagenet Cherokee"/>
+        <a:font script="Yiii" typeface="Microsoft Yi Baiti"/>
+        <a:font script="Tibt" typeface="Microsoft Himalaya"/>
+        <a:font script="Thaa" typeface="MV Boli"/>
+        <a:font script="Deva" typeface="Mangal"/>
+        <a:font script="Telu" typeface="Gautami"/>
+        <a:font script="Taml" typeface="Latha"/>
+        <a:font script="Syrc" typeface="Estrangelo Edessa"/>
+        <a:font script="Orya" typeface="Kalinga"/>
+        <a:font script="Mlym" typeface="Kartika"/>
+        <a:font script="Laoo" typeface="DokChampa"/>
+        <a:font script="Sinh" typeface="Iskoola Pota"/>
+        <a:font script="Mong" typeface="Mongolian Baiti"/>
+        <a:font script="Viet" typeface="Times New Roman"/>
+        <a:font script="Uigh" typeface="Microsoft Uighur"/>
+        <a:font script="Geor" typeface="Sylfaen"/>
+        <a:font script="Armn" typeface="Arial"/>
+        <a:font script="Bugi" typeface="Leelawadee UI"/>
+        <a:font script="Bopo" typeface="Microsoft JhengHei"/>
+        <a:font script="Java" typeface="Javanese Text"/>
+        <a:font script="Lisu" typeface="Segoe UI"/>
+        <a:font script="Mymr" typeface="Myanmar Text"/>
+        <a:font script="Nkoo" typeface="Ebrima"/>
+        <a:font script="Olck" typeface="Nirmala UI"/>
+        <a:font script="Osma" typeface="Ebrima"/>
+        <a:font script="Phag" typeface="Phagspa"/>
+        <a:font script="Syrn" typeface="Estrangelo Edessa"/>
+        <a:font script="Syrj" typeface="Estrangelo Edessa"/>
+        <a:font script="Syre" typeface="Estrangelo Edessa"/>
+        <a:font script="Sora" typeface="Nirmala UI"/>
+        <a:font script="Tale" typeface="Microsoft Tai Le"/>
+        <a:font script="Talu" typeface="Microsoft New Tai Lue"/>
+        <a:font script="Tfng" typeface="Ebrima"/>
+      </a:majorFont>
+      <a:minorFont>
+        <a:latin typeface="Calibri" panose="020F0502020204030204"/>
+        <a:ea typeface=""/>
+        <a:cs typeface=""/>
+        <a:font script="Jpan" typeface="游ゴシック"/>
+        <a:font script="Hang" typeface="맑은 고딕"/>
+        <a:font script="Hans" typeface="等线"/>
+        <a:font script="Hant" typeface="新細明體"/>
+        <a:font script="Arab" typeface="Arial"/>
+        <a:font script="Hebr" typeface="Arial"/>
+        <a:font script="Thai" typeface="Cordia New"/>
+        <a:font script="Ethi" typeface="Nyala"/>
+        <a:font script="Beng" typeface="Vrinda"/>
+        <a:font script="Gujr" typeface="Shruti"/>
+        <a:font script="Khmr" typeface="DaunPenh"/>
+        <a:font script="Knda" typeface="Tunga"/>
+        <a:font script="Guru" typeface="Raavi"/>
+        <a:font script="Cans" typeface="Euphemia"/>
+        <a:font script="Cher" typeface="Plantagenet Cherokee"/>
+        <a:font script="Yiii" typeface="Microsoft Yi Baiti"/>
+        <a:font script="Tibt" typeface="Microsoft Himalaya"/>
+        <a:font script="Thaa" typeface="MV Boli"/>
+        <a:font script="Deva" typeface="Mangal"/>
+        <a:font script="Telu" typeface="Gautami"/>
+        <a:font script="Taml" typeface="Latha"/>
+        <a:font script="Syrc" typeface="Estrangelo Edessa"/>
+        <a:font script="Orya" typeface="Kalinga"/>
+        <a:font script="Mlym" typeface="Kartika"/>
+        <a:font script="Laoo" typeface="DokChampa"/>
+        <a:font script="Sinh" typeface="Iskoola Pota"/>
+        <a:font script="Mong" typeface="Mongolian Baiti"/>
+        <a:font script="Viet" typeface="Arial"/>
+        <a:font script="Uigh" typeface="Microsoft Uighur"/>
+        <a:font script="Geor" typeface="Sylfaen"/>
+        <a:font script="Armn" typeface="Arial"/>
+        <a:font script="Bugi" typeface="Leelawadee UI"/>
+        <a:font script="Bopo" typeface="Microsoft JhengHei"/>
+        <a:font script="Java" typeface="Javanese Text"/>
+        <a:font script="Lisu" typeface="Segoe UI"/>
+        <a:font script="Mymr" typeface="Myanmar Text"/>
+        <a:font script="Nkoo" typeface="Ebrima"/>
+        <a:font script="Olck" typeface="Nirmala UI"/>
+        <a:font script="Osma" typeface="Ebrima"/>
+        <a:font script="Phag" typeface="Phagspa"/>
+        <a:font script="Syrn" typeface="Estrangelo Edessa"/>
+        <a:font script="Syrj" typeface="Estrangelo Edessa"/>
+        <a:font script="Syre" typeface="Estrangelo Edessa"/>
+        <a:font script="Sora" typeface="Nirmala UI"/>
+        <a:font script="Tale" typeface="Microsoft Tai Le"/>
+        <a:font script="Talu" typeface="Microsoft New Tai Lue"/>
+        <a:font script="Tfng" typeface="Ebrima"/>
+      </a:minorFont>
+    </a:fontScheme>
+    <a:fmtScheme name="Office">
+      <a:fillStyleLst>
+        <a:solidFill>
+          <a:schemeClr val="phClr"/>
+        </a:solidFill>
+        <a:gradFill rotWithShape="1">
+          <a:gsLst>
+            <a:gs pos="0">
+              <a:schemeClr val="phClr">
+                <a:lumMod val="110000"/>
+                <a:satMod val="105000"/>
+                <a:tint val="67000"/>
+              </a:schemeClr>
+            </a:gs>
+            <a:gs pos="50000">
+              <a:schemeClr val="phClr">
+                <a:lumMod val="105000"/>
+                <a:satMod val="103000"/>
+                <a:tint val="73000"/>
+              </a:schemeClr>
+            </a:gs>
+            <a:gs pos="100000">
+              <a:schemeClr val="phClr">
+                <a:lumMod val="105000"/>
+                <a:satMod val="109000"/>
+                <a:tint val="81000"/>
+              </a:schemeClr>
+            </a:gs>
+          </a:gsLst>
+          <a:lin ang="5400000" scaled="0"/>
+        </a:gradFill>
+        <a:gradFill rotWithShape="1">
+          <a:gsLst>
+            <a:gs pos="0">
+              <a:schemeClr val="phClr">
+                <a:satMod val="103000"/>
+                <a:lumMod val="102000"/>
+                <a:tint val="94000"/>
+              </a:schemeClr>
+            </a:gs>
+            <a:gs pos="50000">
+              <a:schemeClr val="phClr">
+                <a:satMod val="110000"/>
+                <a:lumMod val="100000"/>
+                <a:shade val="100000"/>
+              </a:schemeClr>
+            </a:gs>
+            <a:gs pos="100000">
+              <a:schemeClr val="phClr">
+                <a:lumMod val="99000"/>
+                <a:satMod val="120000"/>
+                <a:shade val="78000"/>
+              </a:schemeClr>
+            </a:gs>
+          </a:gsLst>
+          <a:lin ang="5400000" scaled="0"/>
+        </a:gradFill>
+      </a:fillStyleLst>
+      <a:lnStyleLst>
+        <a:ln w="6350" cap="flat" cmpd="sng" algn="ctr">
+          <a:solidFill>
+            <a:schemeClr val="phClr"/>
+          </a:solidFill>
+          <a:prstDash val="solid"/>
+          <a:miter lim="800000"/>
+        </a:ln>
+        <a:ln w="12700" cap="flat" cmpd="sng" algn="ctr">
+          <a:solidFill>
+            <a:schemeClr val="phClr"/>
+          </a:solidFill>
+          <a:prstDash val="solid"/>
+          <a:miter lim="800000"/>
+        </a:ln>
+        <a:ln w="19050" cap="flat" cmpd="sng" algn="ctr">
+          <a:solidFill>
+            <a:schemeClr val="phClr"/>
+          </a:solidFill>
+          <a:prstDash val="solid"/>
+          <a:miter lim="800000"/>
+        </a:ln>
+      </a:lnStyleLst>
+      <a:effectStyleLst>
+        <a:effectStyle>
+          <a:effectLst/>
+        </a:effectStyle>
+        <a:effectStyle>
+          <a:effectLst/>
+        </a:effectStyle>
+        <a:effectStyle>
+          <a:effectLst>
+            <a:outerShdw blurRad="57150" dist="19050" dir="5400000" algn="ctr" rotWithShape="0">
+              <a:srgbClr val="000000">
+                <a:alpha val="63000"/>
+              </a:srgbClr>
+            </a:outerShdw>
+          </a:effectLst>
+        </a:effectStyle>
+      </a:effectStyleLst>
+      <a:bgFillStyleLst>
+        <a:solidFill>
+          <a:schemeClr val="phClr"/>
+        </a:solidFill>
+        <a:solidFill>
+          <a:schemeClr val="phClr">
+            <a:tint val="95000"/>
+            <a:satMod val="170000"/>
+          </a:schemeClr>
+        </a:solidFill>
+        <a:gradFill rotWithShape="1">
+          <a:gsLst>
+            <a:gs pos="0">
+              <a:schemeClr val="phClr">
+                <a:tint val="93000"/>
+                <a:satMod val="150000"/>
+                <a:shade val="98000"/>
+                <a:lumMod val="102000"/>
+              </a:schemeClr>
+            </a:gs>
+            <a:gs pos="50000">
+              <a:schemeClr val="phClr">
+                <a:tint val="98000"/>
+                <a:satMod val="130000"/>
+                <a:shade val="90000"/>
+                <a:lumMod val="103000"/>
+              </a:schemeClr>
+            </a:gs>
+            <a:gs pos="100000">
+              <a:schemeClr val="phClr">
+                <a:shade val="63000"/>
+                <a:satMod val="120000"/>
+              </a:schemeClr>
+            </a:gs>
+          </a:gsLst>
+          <a:lin ang="5400000" scaled="0"/>
+        </a:gradFill>
+      </a:bgFillStyleLst>
+    </a:fmtScheme>
+  </a:themeElements>
+  <a:objectDefaults/>
+  <a:extraClrSchemeLst/>
+  <a:extLst>
+    <a:ext uri="{05A4C25C-085E-4340-85A3-A5531E510DB2}">
+      <thm15:themeFamily xmlns:thm15="http://schemas.microsoft.com/office/thememl/2012/main" name="Office Theme" id="{62F939B6-93AF-4DB8-9C6B-D6C7DFDC589F}" vid="{4A3C46E8-61CC-4603-A589-7422A47A8E4A}"/>
+    </a:ext>
+  </a:extLst>
+</a:theme>
 </file>